--- a/投影片/6.實作-帳號註冊、登入網頁前端防呆與提示.pptx
+++ b/投影片/6.實作-帳號註冊、登入網頁前端防呆與提示.pptx
@@ -5,7 +5,7 @@
     <p:sldMasterId id="2147483648" r:id="rId1"/>
   </p:sldMasterIdLst>
   <p:notesMasterIdLst>
-    <p:notesMasterId r:id="rId22"/>
+    <p:notesMasterId r:id="rId27"/>
   </p:notesMasterIdLst>
   <p:sldIdLst>
     <p:sldId id="258" r:id="rId2"/>
@@ -25,9 +25,14 @@
     <p:sldId id="268" r:id="rId16"/>
     <p:sldId id="269" r:id="rId17"/>
     <p:sldId id="270" r:id="rId18"/>
-    <p:sldId id="281" r:id="rId19"/>
-    <p:sldId id="271" r:id="rId20"/>
-    <p:sldId id="272" r:id="rId21"/>
+    <p:sldId id="282" r:id="rId19"/>
+    <p:sldId id="283" r:id="rId20"/>
+    <p:sldId id="281" r:id="rId21"/>
+    <p:sldId id="284" r:id="rId22"/>
+    <p:sldId id="271" r:id="rId23"/>
+    <p:sldId id="285" r:id="rId24"/>
+    <p:sldId id="286" r:id="rId25"/>
+    <p:sldId id="272" r:id="rId26"/>
   </p:sldIdLst>
   <p:sldSz cx="12192000" cy="6858000"/>
   <p:notesSz cx="6858000" cy="9144000"/>
@@ -216,7 +221,7 @@
           <a:p>
             <a:fld id="{11C09B83-85C8-4552-811E-03B1892B2F31}" type="datetimeFigureOut">
               <a:rPr lang="zh-TW" altLang="en-US" smtClean="0"/>
-              <a:t>2022/6/1</a:t>
+              <a:t>2022/6/8</a:t>
             </a:fld>
             <a:endParaRPr lang="zh-TW" altLang="en-US"/>
           </a:p>
@@ -872,7 +877,7 @@
           <a:p>
             <a:fld id="{31CDE89B-FBD9-4E23-BEEB-B0C8819124B3}" type="datetimeFigureOut">
               <a:rPr lang="zh-TW" altLang="en-US" smtClean="0"/>
-              <a:t>2022/6/1</a:t>
+              <a:t>2022/6/8</a:t>
             </a:fld>
             <a:endParaRPr lang="zh-TW" altLang="en-US"/>
           </a:p>
@@ -3743,7 +3748,7 @@
           <a:p>
             <a:fld id="{31CDE89B-FBD9-4E23-BEEB-B0C8819124B3}" type="datetimeFigureOut">
               <a:rPr lang="zh-TW" altLang="en-US" smtClean="0"/>
-              <a:t>2022/6/1</a:t>
+              <a:t>2022/6/8</a:t>
             </a:fld>
             <a:endParaRPr lang="zh-TW" altLang="en-US"/>
           </a:p>
@@ -3935,7 +3940,7 @@
           <a:p>
             <a:fld id="{31CDE89B-FBD9-4E23-BEEB-B0C8819124B3}" type="datetimeFigureOut">
               <a:rPr lang="zh-TW" altLang="en-US" smtClean="0"/>
-              <a:t>2022/6/1</a:t>
+              <a:t>2022/6/8</a:t>
             </a:fld>
             <a:endParaRPr lang="zh-TW" altLang="en-US"/>
           </a:p>
@@ -4131,7 +4136,7 @@
           <a:p>
             <a:fld id="{31CDE89B-FBD9-4E23-BEEB-B0C8819124B3}" type="datetimeFigureOut">
               <a:rPr lang="zh-TW" altLang="en-US" smtClean="0"/>
-              <a:t>2022/6/1</a:t>
+              <a:t>2022/6/8</a:t>
             </a:fld>
             <a:endParaRPr lang="zh-TW" altLang="en-US"/>
           </a:p>
@@ -5227,7 +5232,7 @@
           <a:p>
             <a:fld id="{31CDE89B-FBD9-4E23-BEEB-B0C8819124B3}" type="datetimeFigureOut">
               <a:rPr lang="zh-TW" altLang="en-US" smtClean="0"/>
-              <a:t>2022/6/1</a:t>
+              <a:t>2022/6/8</a:t>
             </a:fld>
             <a:endParaRPr lang="zh-TW" altLang="en-US"/>
           </a:p>
@@ -5476,7 +5481,7 @@
           <a:p>
             <a:fld id="{31CDE89B-FBD9-4E23-BEEB-B0C8819124B3}" type="datetimeFigureOut">
               <a:rPr lang="zh-TW" altLang="en-US" smtClean="0"/>
-              <a:t>2022/6/1</a:t>
+              <a:t>2022/6/8</a:t>
             </a:fld>
             <a:endParaRPr lang="zh-TW" altLang="en-US"/>
           </a:p>
@@ -5855,7 +5860,7 @@
           <a:p>
             <a:fld id="{31CDE89B-FBD9-4E23-BEEB-B0C8819124B3}" type="datetimeFigureOut">
               <a:rPr lang="zh-TW" altLang="en-US" smtClean="0"/>
-              <a:t>2022/6/1</a:t>
+              <a:t>2022/6/8</a:t>
             </a:fld>
             <a:endParaRPr lang="zh-TW" altLang="en-US"/>
           </a:p>
@@ -5985,7 +5990,7 @@
           <a:p>
             <a:fld id="{31CDE89B-FBD9-4E23-BEEB-B0C8819124B3}" type="datetimeFigureOut">
               <a:rPr lang="zh-TW" altLang="en-US" smtClean="0"/>
-              <a:t>2022/6/1</a:t>
+              <a:t>2022/6/8</a:t>
             </a:fld>
             <a:endParaRPr lang="zh-TW" altLang="en-US"/>
           </a:p>
@@ -6092,7 +6097,7 @@
           <a:p>
             <a:fld id="{31CDE89B-FBD9-4E23-BEEB-B0C8819124B3}" type="datetimeFigureOut">
               <a:rPr lang="zh-TW" altLang="en-US" smtClean="0"/>
-              <a:t>2022/6/1</a:t>
+              <a:t>2022/6/8</a:t>
             </a:fld>
             <a:endParaRPr lang="zh-TW" altLang="en-US"/>
           </a:p>
@@ -6381,7 +6386,7 @@
           <a:p>
             <a:fld id="{31CDE89B-FBD9-4E23-BEEB-B0C8819124B3}" type="datetimeFigureOut">
               <a:rPr lang="zh-TW" altLang="en-US" smtClean="0"/>
-              <a:t>2022/6/1</a:t>
+              <a:t>2022/6/8</a:t>
             </a:fld>
             <a:endParaRPr lang="zh-TW" altLang="en-US"/>
           </a:p>
@@ -6646,7 +6651,7 @@
           <a:p>
             <a:fld id="{31CDE89B-FBD9-4E23-BEEB-B0C8819124B3}" type="datetimeFigureOut">
               <a:rPr lang="zh-TW" altLang="en-US" smtClean="0"/>
-              <a:t>2022/6/1</a:t>
+              <a:t>2022/6/8</a:t>
             </a:fld>
             <a:endParaRPr lang="zh-TW" altLang="en-US"/>
           </a:p>
@@ -6871,7 +6876,7 @@
           <a:p>
             <a:fld id="{31CDE89B-FBD9-4E23-BEEB-B0C8819124B3}" type="datetimeFigureOut">
               <a:rPr lang="zh-TW" altLang="en-US" smtClean="0"/>
-              <a:t>2022/6/1</a:t>
+              <a:t>2022/6/8</a:t>
             </a:fld>
             <a:endParaRPr lang="zh-TW" altLang="en-US"/>
           </a:p>
@@ -7649,19 +7654,11 @@
             </a:r>
             <a:r>
               <a:rPr lang="en-US" altLang="zh-TW" dirty="0" smtClean="0"/>
-              <a:t>vs </a:t>
-            </a:r>
-            <a:r>
-              <a:rPr lang="en-US" altLang="zh-TW" dirty="0" smtClean="0"/>
-              <a:t>Object</a:t>
+              <a:t>vs Object</a:t>
             </a:r>
             <a:r>
               <a:rPr lang="zh-TW" altLang="en-US" dirty="0" smtClean="0"/>
-              <a:t> </a:t>
-            </a:r>
-            <a:r>
-              <a:rPr lang="zh-TW" altLang="en-US" dirty="0" smtClean="0"/>
-              <a:t>存</a:t>
+              <a:t> 存</a:t>
             </a:r>
             <a:r>
               <a:rPr lang="zh-TW" altLang="en-US" dirty="0"/>
@@ -7841,8 +7838,8 @@
         </p:nvSpPr>
         <p:spPr>
           <a:xfrm>
-            <a:off x="5432388" y="2661412"/>
-            <a:ext cx="946093" cy="523220"/>
+            <a:off x="5520037" y="2761945"/>
+            <a:ext cx="728084" cy="400110"/>
           </a:xfrm>
           <a:prstGeom prst="rect">
             <a:avLst/>
@@ -7855,14 +7852,14 @@
           <a:lstStyle/>
           <a:p>
             <a:r>
-              <a:rPr lang="en-US" altLang="zh-TW" sz="2800" dirty="0"/>
+              <a:rPr lang="en-US" altLang="zh-TW" sz="2000" dirty="0"/>
               <a:t>‘123</a:t>
             </a:r>
             <a:r>
-              <a:rPr lang="en-US" altLang="zh-TW" sz="2800" dirty="0" smtClean="0"/>
+              <a:rPr lang="en-US" altLang="zh-TW" sz="2000" dirty="0" smtClean="0"/>
               <a:t>’</a:t>
             </a:r>
-            <a:endParaRPr lang="zh-TW" altLang="en-US" sz="2800" dirty="0"/>
+            <a:endParaRPr lang="zh-TW" altLang="en-US" sz="2000" dirty="0"/>
           </a:p>
         </p:txBody>
       </p:sp>
@@ -8095,7 +8092,7 @@
         <p:spPr>
           <a:xfrm>
             <a:off x="7192320" y="2100985"/>
-            <a:ext cx="1397499" cy="1439789"/>
+            <a:ext cx="1397499" cy="1574531"/>
           </a:xfrm>
           <a:prstGeom prst="rect">
             <a:avLst/>
@@ -8316,7 +8313,7 @@
         <p:spPr>
           <a:xfrm>
             <a:off x="3870038" y="4147941"/>
-            <a:ext cx="2508443" cy="1439789"/>
+            <a:ext cx="2508443" cy="1570851"/>
           </a:xfrm>
           <a:prstGeom prst="rect">
             <a:avLst/>
@@ -8403,7 +8400,7 @@
         <p:spPr>
           <a:xfrm>
             <a:off x="7192320" y="4147941"/>
-            <a:ext cx="1397499" cy="1439789"/>
+            <a:ext cx="1397499" cy="1570851"/>
           </a:xfrm>
           <a:prstGeom prst="rect">
             <a:avLst/>
@@ -8484,7 +8481,7 @@
           <a:p>
             <a:pPr algn="ctr"/>
             <a:r>
-              <a:rPr lang="en-US" altLang="zh-TW">
+              <a:rPr lang="en-US" altLang="zh-TW" dirty="0">
                 <a:solidFill>
                   <a:schemeClr val="tx1"/>
                 </a:solidFill>
@@ -8536,25 +8533,24 @@
       </p:sp>
       <p:sp>
         <p:nvSpPr>
-          <p:cNvPr id="17" name="向左箭號 16"/>
+          <p:cNvPr id="25" name="矩形 24"/>
           <p:cNvSpPr/>
           <p:nvPr/>
         </p:nvSpPr>
         <p:spPr>
           <a:xfrm>
-            <a:off x="4765963" y="4863760"/>
-            <a:ext cx="785091" cy="234444"/>
-          </a:xfrm>
-          <a:prstGeom prst="leftArrow">
+            <a:off x="5486402" y="2567729"/>
+            <a:ext cx="807030" cy="766311"/>
+          </a:xfrm>
+          <a:prstGeom prst="rect">
             <a:avLst/>
           </a:prstGeom>
-          <a:solidFill>
-            <a:schemeClr val="accent2"/>
-          </a:solidFill>
-          <a:ln>
+          <a:noFill/>
+          <a:ln w="19050">
             <a:solidFill>
-              <a:schemeClr val="accent2"/>
+              <a:schemeClr val="accent1"/>
             </a:solidFill>
+            <a:prstDash val="lgDash"/>
           </a:ln>
         </p:spPr>
         <p:style>
@@ -8584,14 +8580,55 @@
       </p:sp>
       <p:sp>
         <p:nvSpPr>
-          <p:cNvPr id="25" name="矩形 24"/>
+          <p:cNvPr id="26" name="文字方塊 25"/>
+          <p:cNvSpPr txBox="1"/>
+          <p:nvPr/>
+        </p:nvSpPr>
+        <p:spPr>
+          <a:xfrm>
+            <a:off x="5432388" y="2170602"/>
+            <a:ext cx="903382" cy="369332"/>
+          </a:xfrm>
+          <a:prstGeom prst="rect">
+            <a:avLst/>
+          </a:prstGeom>
+          <a:solidFill>
+            <a:schemeClr val="bg1"/>
+          </a:solidFill>
+        </p:spPr>
+        <p:txBody>
+          <a:bodyPr wrap="square" rtlCol="0">
+            <a:spAutoFit/>
+          </a:bodyPr>
+          <a:lstStyle/>
+          <a:p>
+            <a:pPr algn="ctr"/>
+            <a:r>
+              <a:rPr lang="en-US" altLang="zh-TW" dirty="0"/>
+              <a:t>8</a:t>
+            </a:r>
+            <a:r>
+              <a:rPr lang="zh-TW" altLang="en-US" dirty="0" smtClean="0"/>
+              <a:t>號</a:t>
+            </a:r>
+            <a:r>
+              <a:rPr lang="zh-TW" altLang="en-US" dirty="0" smtClean="0"/>
+              <a:t>位</a:t>
+            </a:r>
+            <a:endParaRPr lang="zh-TW" altLang="en-US" dirty="0"/>
+          </a:p>
+        </p:txBody>
+      </p:sp>
+      <p:sp>
+        <p:nvSpPr>
+          <p:cNvPr id="27" name="矩形 26"/>
           <p:cNvSpPr/>
           <p:nvPr/>
         </p:nvSpPr>
         <p:spPr>
           <a:xfrm>
-            <a:off x="5486402" y="2567729"/>
-            <a:ext cx="807030" cy="766311"/>
+            <a:off x="7499927" y="2567729"/>
+            <a:ext cx="738909" cy="710586"/>
           </a:xfrm>
           <a:prstGeom prst="rect">
             <a:avLst/>
@@ -8631,24 +8668,21 @@
       </p:sp>
       <p:sp>
         <p:nvSpPr>
-          <p:cNvPr id="26" name="文字方塊 25"/>
-          <p:cNvSpPr txBox="1"/>
+          <p:cNvPr id="5" name="矩形 4"/>
+          <p:cNvSpPr/>
           <p:nvPr/>
         </p:nvSpPr>
         <p:spPr>
           <a:xfrm>
-            <a:off x="5432388" y="2170602"/>
-            <a:ext cx="903382" cy="369332"/>
+            <a:off x="7491220" y="3306184"/>
+            <a:ext cx="774571" cy="369332"/>
           </a:xfrm>
           <a:prstGeom prst="rect">
             <a:avLst/>
           </a:prstGeom>
-          <a:solidFill>
-            <a:schemeClr val="bg1"/>
-          </a:solidFill>
-        </p:spPr>
-        <p:txBody>
-          <a:bodyPr wrap="square" rtlCol="0">
+        </p:spPr>
+        <p:txBody>
+          <a:bodyPr wrap="none">
             <a:spAutoFit/>
           </a:bodyPr>
           <a:lstStyle/>
@@ -8656,11 +8690,225 @@
             <a:pPr algn="ctr"/>
             <a:r>
               <a:rPr lang="en-US" altLang="zh-TW" dirty="0"/>
+              <a:t>8</a:t>
+            </a:r>
+            <a:r>
+              <a:rPr lang="zh-TW" altLang="en-US" dirty="0"/>
+              <a:t>號位</a:t>
+            </a:r>
+            <a:endParaRPr lang="zh-TW" altLang="en-US" dirty="0"/>
+          </a:p>
+        </p:txBody>
+      </p:sp>
+      <p:sp>
+        <p:nvSpPr>
+          <p:cNvPr id="28" name="矩形 27"/>
+          <p:cNvSpPr/>
+          <p:nvPr/>
+        </p:nvSpPr>
+        <p:spPr>
+          <a:xfrm>
+            <a:off x="5462593" y="4611005"/>
+            <a:ext cx="738909" cy="710586"/>
+          </a:xfrm>
+          <a:prstGeom prst="rect">
+            <a:avLst/>
+          </a:prstGeom>
+          <a:noFill/>
+          <a:ln w="19050">
+            <a:solidFill>
+              <a:schemeClr val="accent1"/>
+            </a:solidFill>
+            <a:prstDash val="lgDash"/>
+          </a:ln>
+        </p:spPr>
+        <p:style>
+          <a:lnRef idx="2">
+            <a:schemeClr val="accent1">
+              <a:shade val="50000"/>
+            </a:schemeClr>
+          </a:lnRef>
+          <a:fillRef idx="1">
+            <a:schemeClr val="accent1"/>
+          </a:fillRef>
+          <a:effectRef idx="0">
+            <a:schemeClr val="accent1"/>
+          </a:effectRef>
+          <a:fontRef idx="minor">
+            <a:schemeClr val="lt1"/>
+          </a:fontRef>
+        </p:style>
+        <p:txBody>
+          <a:bodyPr rtlCol="0" anchor="ctr"/>
+          <a:lstStyle/>
+          <a:p>
+            <a:pPr algn="ctr"/>
+            <a:endParaRPr lang="zh-TW" altLang="en-US"/>
+          </a:p>
+        </p:txBody>
+      </p:sp>
+      <p:sp>
+        <p:nvSpPr>
+          <p:cNvPr id="29" name="矩形 28"/>
+          <p:cNvSpPr/>
+          <p:nvPr/>
+        </p:nvSpPr>
+        <p:spPr>
+          <a:xfrm>
+            <a:off x="5453886" y="5349460"/>
+            <a:ext cx="774571" cy="369332"/>
+          </a:xfrm>
+          <a:prstGeom prst="rect">
+            <a:avLst/>
+          </a:prstGeom>
+        </p:spPr>
+        <p:txBody>
+          <a:bodyPr wrap="none">
+            <a:spAutoFit/>
+          </a:bodyPr>
+          <a:lstStyle/>
+          <a:p>
+            <a:pPr algn="ctr"/>
+            <a:r>
+              <a:rPr lang="en-US" altLang="zh-TW" dirty="0"/>
+              <a:t>8</a:t>
+            </a:r>
+            <a:r>
+              <a:rPr lang="zh-TW" altLang="en-US" dirty="0"/>
+              <a:t>號位</a:t>
+            </a:r>
+            <a:endParaRPr lang="zh-TW" altLang="en-US" dirty="0"/>
+          </a:p>
+        </p:txBody>
+      </p:sp>
+      <p:sp>
+        <p:nvSpPr>
+          <p:cNvPr id="17" name="向左箭號 16"/>
+          <p:cNvSpPr/>
+          <p:nvPr/>
+        </p:nvSpPr>
+        <p:spPr>
+          <a:xfrm>
+            <a:off x="4765963" y="4863760"/>
+            <a:ext cx="785091" cy="234444"/>
+          </a:xfrm>
+          <a:prstGeom prst="leftArrow">
+            <a:avLst/>
+          </a:prstGeom>
+          <a:solidFill>
+            <a:schemeClr val="accent2"/>
+          </a:solidFill>
+          <a:ln>
+            <a:solidFill>
+              <a:schemeClr val="accent2"/>
+            </a:solidFill>
+          </a:ln>
+        </p:spPr>
+        <p:style>
+          <a:lnRef idx="2">
+            <a:schemeClr val="accent1">
+              <a:shade val="50000"/>
+            </a:schemeClr>
+          </a:lnRef>
+          <a:fillRef idx="1">
+            <a:schemeClr val="accent1"/>
+          </a:fillRef>
+          <a:effectRef idx="0">
+            <a:schemeClr val="accent1"/>
+          </a:effectRef>
+          <a:fontRef idx="minor">
+            <a:schemeClr val="lt1"/>
+          </a:fontRef>
+        </p:style>
+        <p:txBody>
+          <a:bodyPr rtlCol="0" anchor="ctr"/>
+          <a:lstStyle/>
+          <a:p>
+            <a:pPr algn="ctr"/>
+            <a:endParaRPr lang="zh-TW" altLang="en-US"/>
+          </a:p>
+        </p:txBody>
+      </p:sp>
+      <p:sp>
+        <p:nvSpPr>
+          <p:cNvPr id="30" name="矩形 29"/>
+          <p:cNvSpPr/>
+          <p:nvPr/>
+        </p:nvSpPr>
+        <p:spPr>
+          <a:xfrm>
+            <a:off x="7498159" y="4621687"/>
+            <a:ext cx="738909" cy="710586"/>
+          </a:xfrm>
+          <a:prstGeom prst="rect">
+            <a:avLst/>
+          </a:prstGeom>
+          <a:noFill/>
+          <a:ln w="19050">
+            <a:solidFill>
+              <a:schemeClr val="accent2"/>
+            </a:solidFill>
+            <a:prstDash val="lgDash"/>
+          </a:ln>
+        </p:spPr>
+        <p:style>
+          <a:lnRef idx="2">
+            <a:schemeClr val="accent1">
+              <a:shade val="50000"/>
+            </a:schemeClr>
+          </a:lnRef>
+          <a:fillRef idx="1">
+            <a:schemeClr val="accent1"/>
+          </a:fillRef>
+          <a:effectRef idx="0">
+            <a:schemeClr val="accent1"/>
+          </a:effectRef>
+          <a:fontRef idx="minor">
+            <a:schemeClr val="lt1"/>
+          </a:fontRef>
+        </p:style>
+        <p:txBody>
+          <a:bodyPr rtlCol="0" anchor="ctr"/>
+          <a:lstStyle/>
+          <a:p>
+            <a:pPr algn="ctr"/>
+            <a:endParaRPr lang="zh-TW" altLang="en-US"/>
+          </a:p>
+        </p:txBody>
+      </p:sp>
+      <p:sp>
+        <p:nvSpPr>
+          <p:cNvPr id="31" name="矩形 30"/>
+          <p:cNvSpPr/>
+          <p:nvPr/>
+        </p:nvSpPr>
+        <p:spPr>
+          <a:xfrm>
+            <a:off x="7507924" y="5360142"/>
+            <a:ext cx="774571" cy="369332"/>
+          </a:xfrm>
+          <a:prstGeom prst="rect">
+            <a:avLst/>
+          </a:prstGeom>
+        </p:spPr>
+        <p:txBody>
+          <a:bodyPr wrap="none">
+            <a:spAutoFit/>
+          </a:bodyPr>
+          <a:lstStyle/>
+          <a:p>
+            <a:pPr algn="ctr"/>
+            <a:r>
+              <a:rPr lang="en-US" altLang="zh-TW" dirty="0" smtClean="0"/>
               <a:t>9</a:t>
             </a:r>
             <a:r>
               <a:rPr lang="zh-TW" altLang="en-US" dirty="0" smtClean="0"/>
-              <a:t>號位</a:t>
+              <a:t>號</a:t>
+            </a:r>
+            <a:r>
+              <a:rPr lang="zh-TW" altLang="en-US" dirty="0"/>
+              <a:t>位</a:t>
             </a:r>
             <a:endParaRPr lang="zh-TW" altLang="en-US" dirty="0"/>
           </a:p>
@@ -8733,19 +8981,11 @@
             </a:r>
             <a:r>
               <a:rPr lang="en-US" altLang="zh-TW" dirty="0" smtClean="0"/>
-              <a:t>vs </a:t>
-            </a:r>
-            <a:r>
-              <a:rPr lang="en-US" altLang="zh-TW" dirty="0" smtClean="0"/>
-              <a:t>Object</a:t>
+              <a:t>vs Object</a:t>
             </a:r>
             <a:r>
               <a:rPr lang="zh-TW" altLang="en-US" dirty="0" smtClean="0"/>
-              <a:t> </a:t>
-            </a:r>
-            <a:r>
-              <a:rPr lang="zh-TW" altLang="en-US" dirty="0" smtClean="0"/>
-              <a:t>存</a:t>
+              <a:t> 存</a:t>
             </a:r>
             <a:r>
               <a:rPr lang="zh-TW" altLang="en-US" dirty="0"/>
@@ -9046,11 +9286,6 @@
               </a:rPr>
               <a:t>號位</a:t>
             </a:r>
-            <a:endParaRPr lang="zh-TW" altLang="en-US" dirty="0">
-              <a:solidFill>
-                <a:schemeClr val="tx1"/>
-              </a:solidFill>
-            </a:endParaRPr>
           </a:p>
         </p:txBody>
       </p:sp>
@@ -9361,11 +9596,6 @@
               </a:rPr>
               <a:t>號位</a:t>
             </a:r>
-            <a:endParaRPr lang="zh-TW" altLang="en-US" dirty="0">
-              <a:solidFill>
-                <a:schemeClr val="tx1"/>
-              </a:solidFill>
-            </a:endParaRPr>
           </a:p>
         </p:txBody>
       </p:sp>
@@ -9595,11 +9825,6 @@
               </a:rPr>
               <a:t>號位</a:t>
             </a:r>
-            <a:endParaRPr lang="zh-TW" altLang="en-US" dirty="0">
-              <a:solidFill>
-                <a:schemeClr val="tx1"/>
-              </a:solidFill>
-            </a:endParaRPr>
           </a:p>
         </p:txBody>
       </p:sp>
@@ -9766,6 +9991,100 @@
               <a:t>號位</a:t>
             </a:r>
             <a:endParaRPr lang="zh-TW" altLang="en-US" dirty="0"/>
+          </a:p>
+        </p:txBody>
+      </p:sp>
+      <p:sp>
+        <p:nvSpPr>
+          <p:cNvPr id="26" name="矩形 25"/>
+          <p:cNvSpPr/>
+          <p:nvPr/>
+        </p:nvSpPr>
+        <p:spPr>
+          <a:xfrm>
+            <a:off x="7490320" y="2540040"/>
+            <a:ext cx="794846" cy="730467"/>
+          </a:xfrm>
+          <a:prstGeom prst="rect">
+            <a:avLst/>
+          </a:prstGeom>
+          <a:noFill/>
+          <a:ln w="19050">
+            <a:solidFill>
+              <a:schemeClr val="accent1"/>
+            </a:solidFill>
+            <a:prstDash val="lgDash"/>
+          </a:ln>
+        </p:spPr>
+        <p:style>
+          <a:lnRef idx="2">
+            <a:schemeClr val="accent1">
+              <a:shade val="50000"/>
+            </a:schemeClr>
+          </a:lnRef>
+          <a:fillRef idx="1">
+            <a:schemeClr val="accent1"/>
+          </a:fillRef>
+          <a:effectRef idx="0">
+            <a:schemeClr val="accent1"/>
+          </a:effectRef>
+          <a:fontRef idx="minor">
+            <a:schemeClr val="lt1"/>
+          </a:fontRef>
+        </p:style>
+        <p:txBody>
+          <a:bodyPr rtlCol="0" anchor="ctr"/>
+          <a:lstStyle/>
+          <a:p>
+            <a:pPr algn="ctr"/>
+            <a:endParaRPr lang="zh-TW" altLang="en-US"/>
+          </a:p>
+        </p:txBody>
+      </p:sp>
+      <p:sp>
+        <p:nvSpPr>
+          <p:cNvPr id="27" name="矩形 26"/>
+          <p:cNvSpPr/>
+          <p:nvPr/>
+        </p:nvSpPr>
+        <p:spPr>
+          <a:xfrm>
+            <a:off x="7485184" y="4588039"/>
+            <a:ext cx="794846" cy="730467"/>
+          </a:xfrm>
+          <a:prstGeom prst="rect">
+            <a:avLst/>
+          </a:prstGeom>
+          <a:noFill/>
+          <a:ln w="19050">
+            <a:solidFill>
+              <a:schemeClr val="accent2"/>
+            </a:solidFill>
+            <a:prstDash val="lgDash"/>
+          </a:ln>
+        </p:spPr>
+        <p:style>
+          <a:lnRef idx="2">
+            <a:schemeClr val="accent1">
+              <a:shade val="50000"/>
+            </a:schemeClr>
+          </a:lnRef>
+          <a:fillRef idx="1">
+            <a:schemeClr val="accent1"/>
+          </a:fillRef>
+          <a:effectRef idx="0">
+            <a:schemeClr val="accent1"/>
+          </a:effectRef>
+          <a:fontRef idx="minor">
+            <a:schemeClr val="lt1"/>
+          </a:fontRef>
+        </p:style>
+        <p:txBody>
+          <a:bodyPr rtlCol="0" anchor="ctr"/>
+          <a:lstStyle/>
+          <a:p>
+            <a:pPr algn="ctr"/>
+            <a:endParaRPr lang="zh-TW" altLang="en-US"/>
           </a:p>
         </p:txBody>
       </p:sp>
@@ -9836,19 +10155,11 @@
             </a:r>
             <a:r>
               <a:rPr lang="en-US" altLang="zh-TW" dirty="0" smtClean="0"/>
-              <a:t>vs </a:t>
-            </a:r>
-            <a:r>
-              <a:rPr lang="en-US" altLang="zh-TW" dirty="0" smtClean="0"/>
-              <a:t>Object</a:t>
+              <a:t>vs Object</a:t>
             </a:r>
             <a:r>
               <a:rPr lang="zh-TW" altLang="en-US" dirty="0" smtClean="0"/>
-              <a:t> </a:t>
-            </a:r>
-            <a:r>
-              <a:rPr lang="zh-TW" altLang="en-US" dirty="0" smtClean="0"/>
-              <a:t>比較的方式</a:t>
+              <a:t> 比較的方式</a:t>
             </a:r>
             <a:endParaRPr lang="zh-TW" altLang="en-US" dirty="0"/>
           </a:p>
@@ -10780,19 +11091,11 @@
             </a:r>
             <a:r>
               <a:rPr lang="en-US" altLang="zh-TW" dirty="0" smtClean="0"/>
-              <a:t>vs </a:t>
-            </a:r>
-            <a:r>
-              <a:rPr lang="en-US" altLang="zh-TW" dirty="0" smtClean="0"/>
-              <a:t>Object</a:t>
+              <a:t>vs Object</a:t>
             </a:r>
             <a:r>
               <a:rPr lang="zh-TW" altLang="en-US" dirty="0" smtClean="0"/>
-              <a:t> </a:t>
-            </a:r>
-            <a:r>
-              <a:rPr lang="zh-TW" altLang="en-US" dirty="0" smtClean="0"/>
-              <a:t>比較的方式</a:t>
+              <a:t> 比較的方式</a:t>
             </a:r>
             <a:endParaRPr lang="zh-TW" altLang="en-US" dirty="0"/>
           </a:p>
@@ -10824,8 +11127,8 @@
               <a:buNone/>
             </a:pPr>
             <a:r>
-              <a:rPr lang="en-US" altLang="zh-TW" b="1" dirty="0"/>
-              <a:t>Primitives</a:t>
+              <a:rPr lang="en-US" altLang="zh-TW" dirty="0"/>
+              <a:t>Object</a:t>
             </a:r>
             <a:endParaRPr lang="en-US" altLang="zh-TW" b="1" dirty="0" smtClean="0"/>
           </a:p>
@@ -10971,11 +11274,6 @@
               </a:rPr>
               <a:t>號位</a:t>
             </a:r>
-            <a:endParaRPr lang="zh-TW" altLang="en-US" dirty="0">
-              <a:solidFill>
-                <a:schemeClr val="tx1"/>
-              </a:solidFill>
-            </a:endParaRPr>
           </a:p>
         </p:txBody>
       </p:sp>
@@ -11072,7 +11370,6 @@
               <a:rPr lang="zh-TW" altLang="en-US" dirty="0"/>
               <a:t>號位</a:t>
             </a:r>
-            <a:endParaRPr lang="zh-TW" altLang="en-US" dirty="0"/>
           </a:p>
         </p:txBody>
       </p:sp>
@@ -11105,7 +11402,6 @@
               <a:rPr lang="zh-TW" altLang="en-US" dirty="0"/>
               <a:t>號位</a:t>
             </a:r>
-            <a:endParaRPr lang="zh-TW" altLang="en-US" dirty="0"/>
           </a:p>
         </p:txBody>
       </p:sp>
@@ -11401,11 +11697,6 @@
               </a:rPr>
               <a:t>號位</a:t>
             </a:r>
-            <a:endParaRPr lang="zh-TW" altLang="en-US" dirty="0">
-              <a:solidFill>
-                <a:schemeClr val="tx1"/>
-              </a:solidFill>
-            </a:endParaRPr>
           </a:p>
         </p:txBody>
       </p:sp>
@@ -11603,7 +11894,6 @@
               <a:rPr lang="zh-TW" altLang="en-US" dirty="0"/>
               <a:t>號位</a:t>
             </a:r>
-            <a:endParaRPr lang="zh-TW" altLang="en-US" dirty="0"/>
           </a:p>
         </p:txBody>
       </p:sp>
@@ -11640,7 +11930,6 @@
               <a:rPr lang="zh-TW" altLang="en-US" dirty="0"/>
               <a:t>位</a:t>
             </a:r>
-            <a:endParaRPr lang="zh-TW" altLang="en-US" dirty="0"/>
           </a:p>
         </p:txBody>
       </p:sp>
@@ -11701,11 +11990,6 @@
               </a:rPr>
               <a:t>號位</a:t>
             </a:r>
-            <a:endParaRPr lang="zh-TW" altLang="en-US" dirty="0">
-              <a:solidFill>
-                <a:schemeClr val="tx1"/>
-              </a:solidFill>
-            </a:endParaRPr>
           </a:p>
         </p:txBody>
       </p:sp>
@@ -13445,30 +13729,71 @@
           <a:p>
             <a:r>
               <a:rPr lang="en-US" altLang="zh-TW" dirty="0" err="1" smtClean="0"/>
-              <a:t>document.getElementsBy</a:t>
+              <a:t>getElement</a:t>
+            </a:r>
+            <a:endParaRPr lang="en-US" altLang="zh-TW" dirty="0" smtClean="0"/>
+          </a:p>
+          <a:p>
+            <a:pPr lvl="1"/>
+            <a:r>
+              <a:rPr lang="en-US" altLang="zh-TW" dirty="0" err="1" smtClean="0"/>
+              <a:t>document.getElementBy</a:t>
+            </a:r>
+            <a:r>
+              <a:rPr lang="en-US" altLang="zh-TW" dirty="0" smtClean="0"/>
+              <a:t>**</a:t>
+            </a:r>
+            <a:endParaRPr lang="en-US" altLang="zh-TW" dirty="0"/>
+          </a:p>
+          <a:p>
+            <a:pPr lvl="1"/>
+            <a:r>
+              <a:rPr lang="en-US" altLang="zh-TW" dirty="0" err="1" smtClean="0"/>
+              <a:t>document.getElements</a:t>
+            </a:r>
+            <a:r>
+              <a:rPr lang="en-US" altLang="zh-TW" dirty="0" err="1"/>
+              <a:t>By</a:t>
             </a:r>
             <a:r>
               <a:rPr lang="en-US" altLang="zh-TW" dirty="0"/>
-              <a:t>** </a:t>
+              <a:t>**</a:t>
             </a:r>
             <a:endParaRPr lang="en-US" altLang="zh-TW" dirty="0" smtClean="0"/>
           </a:p>
           <a:p>
+            <a:pPr lvl="1"/>
+            <a:endParaRPr lang="en-US" altLang="zh-TW" dirty="0" smtClean="0"/>
+          </a:p>
+          <a:p>
+            <a:r>
+              <a:rPr lang="en-US" altLang="zh-TW" dirty="0" err="1" smtClean="0"/>
+              <a:t>querySelector</a:t>
+            </a:r>
+            <a:r>
+              <a:rPr lang="en-US" altLang="zh-TW" dirty="0" smtClean="0"/>
+              <a:t> </a:t>
+            </a:r>
+          </a:p>
+          <a:p>
+            <a:pPr lvl="1"/>
             <a:r>
               <a:rPr lang="en-US" altLang="zh-TW" dirty="0" err="1" smtClean="0"/>
               <a:t>document.querySelector</a:t>
             </a:r>
-            <a:r>
-              <a:rPr lang="en-US" altLang="zh-TW" dirty="0" smtClean="0"/>
-              <a:t> </a:t>
-            </a:r>
-          </a:p>
-          <a:p>
+            <a:endParaRPr lang="en-US" altLang="zh-TW" dirty="0" smtClean="0"/>
+          </a:p>
+          <a:p>
+            <a:pPr lvl="1"/>
             <a:r>
               <a:rPr lang="en-US" altLang="zh-TW" dirty="0" err="1" smtClean="0"/>
               <a:t>document.querySelectorAll</a:t>
             </a:r>
-            <a:endParaRPr lang="zh-TW" altLang="en-US" dirty="0"/>
+            <a:endParaRPr lang="en-US" altLang="zh-TW" dirty="0"/>
+          </a:p>
+          <a:p>
+            <a:pPr lvl="1"/>
+            <a:endParaRPr lang="en-US" altLang="zh-TW" dirty="0" smtClean="0"/>
           </a:p>
         </p:txBody>
       </p:sp>
@@ -13530,36 +13855,80 @@
           <a:lstStyle/>
           <a:p>
             <a:r>
-              <a:rPr lang="en-US" altLang="zh-TW" dirty="0" smtClean="0"/>
-              <a:t>function</a:t>
-            </a:r>
-            <a:endParaRPr lang="zh-TW" altLang="en-US" dirty="0"/>
-          </a:p>
-        </p:txBody>
-      </p:sp>
-      <p:sp>
-        <p:nvSpPr>
-          <p:cNvPr id="3" name="內容版面配置區 2"/>
-          <p:cNvSpPr>
-            <a:spLocks noGrp="1"/>
-          </p:cNvSpPr>
-          <p:nvPr>
-            <p:ph idx="1"/>
-          </p:nvPr>
-        </p:nvSpPr>
-        <p:spPr/>
-        <p:txBody>
-          <a:bodyPr/>
-          <a:lstStyle/>
-          <a:p>
-            <a:endParaRPr lang="zh-TW" altLang="en-US"/>
-          </a:p>
-        </p:txBody>
-      </p:sp>
+              <a:rPr lang="zh-TW" altLang="en-US" dirty="0"/>
+              <a:t>選取</a:t>
+            </a:r>
+            <a:r>
+              <a:rPr lang="en-US" altLang="zh-TW" dirty="0"/>
+              <a:t>DOM </a:t>
+            </a:r>
+          </a:p>
+        </p:txBody>
+      </p:sp>
+      <p:pic>
+        <p:nvPicPr>
+          <p:cNvPr id="6" name="圖片 5" descr="畫面剪輯"/>
+          <p:cNvPicPr>
+            <a:picLocks noChangeAspect="1"/>
+          </p:cNvPicPr>
+          <p:nvPr/>
+        </p:nvPicPr>
+        <p:blipFill>
+          <a:blip r:embed="rId2">
+            <a:extLst>
+              <a:ext uri="{28A0092B-C50C-407E-A947-70E740481C1C}">
+                <a14:useLocalDpi xmlns:a14="http://schemas.microsoft.com/office/drawing/2010/main" val="0"/>
+              </a:ext>
+            </a:extLst>
+          </a:blip>
+          <a:stretch>
+            <a:fillRect/>
+          </a:stretch>
+        </p:blipFill>
+        <p:spPr>
+          <a:xfrm>
+            <a:off x="969895" y="1554162"/>
+            <a:ext cx="4479099" cy="3338196"/>
+          </a:xfrm>
+          <a:prstGeom prst="rect">
+            <a:avLst/>
+          </a:prstGeom>
+        </p:spPr>
+      </p:pic>
+      <p:pic>
+        <p:nvPicPr>
+          <p:cNvPr id="7" name="圖片 6" descr="畫面剪輯"/>
+          <p:cNvPicPr>
+            <a:picLocks noChangeAspect="1"/>
+          </p:cNvPicPr>
+          <p:nvPr/>
+        </p:nvPicPr>
+        <p:blipFill>
+          <a:blip r:embed="rId3">
+            <a:extLst>
+              <a:ext uri="{28A0092B-C50C-407E-A947-70E740481C1C}">
+                <a14:useLocalDpi xmlns:a14="http://schemas.microsoft.com/office/drawing/2010/main" val="0"/>
+              </a:ext>
+            </a:extLst>
+          </a:blip>
+          <a:stretch>
+            <a:fillRect/>
+          </a:stretch>
+        </p:blipFill>
+        <p:spPr>
+          <a:xfrm>
+            <a:off x="5768885" y="1554162"/>
+            <a:ext cx="5181461" cy="3338196"/>
+          </a:xfrm>
+          <a:prstGeom prst="rect">
+            <a:avLst/>
+          </a:prstGeom>
+        </p:spPr>
+      </p:pic>
     </p:spTree>
     <p:extLst>
       <p:ext uri="{BB962C8B-B14F-4D97-AF65-F5344CB8AC3E}">
-        <p14:creationId xmlns:p14="http://schemas.microsoft.com/office/powerpoint/2010/main" val="1924181309"/>
+        <p14:creationId xmlns:p14="http://schemas.microsoft.com/office/powerpoint/2010/main" val="163713738"/>
       </p:ext>
     </p:extLst>
   </p:cSld>
@@ -13614,9 +13983,26 @@
           <a:lstStyle/>
           <a:p>
             <a:r>
+              <a:rPr lang="en-US" altLang="zh-TW" dirty="0" err="1" smtClean="0"/>
+              <a:t>getElement</a:t>
+            </a:r>
+            <a:r>
+              <a:rPr lang="zh-TW" altLang="en-US" dirty="0" smtClean="0"/>
+              <a:t>與</a:t>
+            </a:r>
+            <a:r>
+              <a:rPr lang="en-US" altLang="zh-TW" dirty="0" err="1" smtClean="0"/>
+              <a:t>querySelector</a:t>
+            </a:r>
+            <a:r>
               <a:rPr lang="zh-TW" altLang="en-US" dirty="0"/>
-              <a:t>事件監聽</a:t>
-            </a:r>
+              <a:t>系列</a:t>
+            </a:r>
+            <a:r>
+              <a:rPr lang="zh-TW" altLang="en-US" dirty="0" smtClean="0"/>
+              <a:t>差異</a:t>
+            </a:r>
+            <a:endParaRPr lang="zh-TW" altLang="en-US" dirty="0"/>
           </a:p>
         </p:txBody>
       </p:sp>
@@ -13635,14 +14021,101 @@
           <a:bodyPr/>
           <a:lstStyle/>
           <a:p>
-            <a:endParaRPr lang="zh-TW" altLang="en-US"/>
-          </a:p>
-        </p:txBody>
-      </p:sp>
+            <a:r>
+              <a:rPr lang="en-US" altLang="zh-TW" dirty="0" err="1" smtClean="0"/>
+              <a:t>getElement</a:t>
+            </a:r>
+            <a:r>
+              <a:rPr lang="en-US" altLang="zh-TW" dirty="0" smtClean="0"/>
+              <a:t>:</a:t>
+            </a:r>
+            <a:r>
+              <a:rPr lang="zh-TW" altLang="en-US" dirty="0" smtClean="0"/>
+              <a:t>動態</a:t>
+            </a:r>
+            <a:endParaRPr lang="en-US" altLang="zh-TW" dirty="0" smtClean="0"/>
+          </a:p>
+          <a:p>
+            <a:r>
+              <a:rPr lang="en-US" altLang="zh-TW" dirty="0" err="1" smtClean="0"/>
+              <a:t>querySelector</a:t>
+            </a:r>
+            <a:r>
+              <a:rPr lang="en-US" altLang="zh-TW" dirty="0" smtClean="0"/>
+              <a:t>:</a:t>
+            </a:r>
+            <a:r>
+              <a:rPr lang="zh-TW" altLang="en-US" dirty="0" smtClean="0"/>
+              <a:t>靜態</a:t>
+            </a:r>
+            <a:endParaRPr lang="zh-TW" altLang="en-US" dirty="0"/>
+          </a:p>
+        </p:txBody>
+      </p:sp>
+      <p:pic>
+        <p:nvPicPr>
+          <p:cNvPr id="5" name="圖片 4" descr="畫面剪輯"/>
+          <p:cNvPicPr>
+            <a:picLocks noChangeAspect="1"/>
+          </p:cNvPicPr>
+          <p:nvPr/>
+        </p:nvPicPr>
+        <p:blipFill>
+          <a:blip r:embed="rId2">
+            <a:extLst>
+              <a:ext uri="{28A0092B-C50C-407E-A947-70E740481C1C}">
+                <a14:useLocalDpi xmlns:a14="http://schemas.microsoft.com/office/drawing/2010/main" val="0"/>
+              </a:ext>
+            </a:extLst>
+          </a:blip>
+          <a:stretch>
+            <a:fillRect/>
+          </a:stretch>
+        </p:blipFill>
+        <p:spPr>
+          <a:xfrm>
+            <a:off x="1492310" y="2708648"/>
+            <a:ext cx="3707764" cy="3997098"/>
+          </a:xfrm>
+          <a:prstGeom prst="rect">
+            <a:avLst/>
+          </a:prstGeom>
+        </p:spPr>
+      </p:pic>
+      <p:pic>
+        <p:nvPicPr>
+          <p:cNvPr id="6" name="圖片 5" descr="畫面剪輯"/>
+          <p:cNvPicPr>
+            <a:picLocks noChangeAspect="1"/>
+          </p:cNvPicPr>
+          <p:nvPr/>
+        </p:nvPicPr>
+        <p:blipFill>
+          <a:blip r:embed="rId3">
+            <a:extLst>
+              <a:ext uri="{28A0092B-C50C-407E-A947-70E740481C1C}">
+                <a14:useLocalDpi xmlns:a14="http://schemas.microsoft.com/office/drawing/2010/main" val="0"/>
+              </a:ext>
+            </a:extLst>
+          </a:blip>
+          <a:stretch>
+            <a:fillRect/>
+          </a:stretch>
+        </p:blipFill>
+        <p:spPr>
+          <a:xfrm>
+            <a:off x="6668130" y="2708648"/>
+            <a:ext cx="3528815" cy="3992849"/>
+          </a:xfrm>
+          <a:prstGeom prst="rect">
+            <a:avLst/>
+          </a:prstGeom>
+        </p:spPr>
+      </p:pic>
     </p:spTree>
     <p:extLst>
       <p:ext uri="{BB962C8B-B14F-4D97-AF65-F5344CB8AC3E}">
-        <p14:creationId xmlns:p14="http://schemas.microsoft.com/office/powerpoint/2010/main" val="2743697845"/>
+        <p14:creationId xmlns:p14="http://schemas.microsoft.com/office/powerpoint/2010/main" val="586267873"/>
       </p:ext>
     </p:extLst>
   </p:cSld>
@@ -13909,6 +14382,612 @@
           <a:p>
             <a:r>
               <a:rPr lang="en-US" altLang="zh-TW" dirty="0" smtClean="0"/>
+              <a:t>Function(</a:t>
+            </a:r>
+            <a:r>
+              <a:rPr lang="zh-TW" altLang="en-US" dirty="0" smtClean="0"/>
+              <a:t>函式</a:t>
+            </a:r>
+            <a:r>
+              <a:rPr lang="en-US" altLang="zh-TW" dirty="0" smtClean="0"/>
+              <a:t>)</a:t>
+            </a:r>
+            <a:endParaRPr lang="zh-TW" altLang="en-US" dirty="0"/>
+          </a:p>
+        </p:txBody>
+      </p:sp>
+      <p:sp>
+        <p:nvSpPr>
+          <p:cNvPr id="3" name="內容版面配置區 2"/>
+          <p:cNvSpPr>
+            <a:spLocks noGrp="1"/>
+          </p:cNvSpPr>
+          <p:nvPr>
+            <p:ph idx="1"/>
+          </p:nvPr>
+        </p:nvSpPr>
+        <p:spPr/>
+        <p:txBody>
+          <a:bodyPr/>
+          <a:lstStyle/>
+          <a:p>
+            <a:pPr marL="0" indent="0">
+              <a:buNone/>
+            </a:pPr>
+            <a:r>
+              <a:rPr lang="zh-TW" altLang="en-US" dirty="0" smtClean="0"/>
+              <a:t>指</a:t>
+            </a:r>
+            <a:r>
+              <a:rPr lang="zh-TW" altLang="en-US" dirty="0"/>
+              <a:t>的是將一或多段</a:t>
+            </a:r>
+            <a:r>
+              <a:rPr lang="zh-TW" altLang="en-US" dirty="0" smtClean="0"/>
+              <a:t>程式封裝</a:t>
+            </a:r>
+            <a:r>
+              <a:rPr lang="zh-TW" altLang="en-US" dirty="0"/>
+              <a:t>起來，可以重複使用，也方便維護。</a:t>
+            </a:r>
+          </a:p>
+          <a:p>
+            <a:endParaRPr lang="en-US" altLang="zh-TW" dirty="0" smtClean="0"/>
+          </a:p>
+          <a:p>
+            <a:endParaRPr lang="zh-TW" altLang="en-US" dirty="0"/>
+          </a:p>
+        </p:txBody>
+      </p:sp>
+      <p:pic>
+        <p:nvPicPr>
+          <p:cNvPr id="5" name="圖片 4" descr="畫面剪輯"/>
+          <p:cNvPicPr>
+            <a:picLocks noChangeAspect="1"/>
+          </p:cNvPicPr>
+          <p:nvPr/>
+        </p:nvPicPr>
+        <p:blipFill>
+          <a:blip r:embed="rId2">
+            <a:extLst>
+              <a:ext uri="{28A0092B-C50C-407E-A947-70E740481C1C}">
+                <a14:useLocalDpi xmlns:a14="http://schemas.microsoft.com/office/drawing/2010/main" val="0"/>
+              </a:ext>
+            </a:extLst>
+          </a:blip>
+          <a:stretch>
+            <a:fillRect/>
+          </a:stretch>
+        </p:blipFill>
+        <p:spPr>
+          <a:xfrm>
+            <a:off x="1281027" y="3269657"/>
+            <a:ext cx="4764950" cy="1304525"/>
+          </a:xfrm>
+          <a:prstGeom prst="rect">
+            <a:avLst/>
+          </a:prstGeom>
+        </p:spPr>
+      </p:pic>
+    </p:spTree>
+    <p:extLst>
+      <p:ext uri="{BB962C8B-B14F-4D97-AF65-F5344CB8AC3E}">
+        <p14:creationId xmlns:p14="http://schemas.microsoft.com/office/powerpoint/2010/main" val="1924181309"/>
+      </p:ext>
+    </p:extLst>
+  </p:cSld>
+  <p:clrMapOvr>
+    <a:masterClrMapping/>
+  </p:clrMapOvr>
+  <mc:AlternateContent xmlns:mc="http://schemas.openxmlformats.org/markup-compatibility/2006" xmlns:p14="http://schemas.microsoft.com/office/powerpoint/2010/main">
+    <mc:Choice Requires="p14">
+      <p:transition spd="slow" p14:dur="1500">
+        <p:random/>
+      </p:transition>
+    </mc:Choice>
+    <mc:Fallback xmlns="">
+      <p:transition spd="slow">
+        <p:random/>
+      </p:transition>
+    </mc:Fallback>
+  </mc:AlternateContent>
+</p:sld>
+</file>
+
+<file path=ppt/slides/slide21.xml><?xml version="1.0" encoding="utf-8"?>
+<p:sld xmlns:a="http://schemas.openxmlformats.org/drawingml/2006/main" xmlns:r="http://schemas.openxmlformats.org/officeDocument/2006/relationships" xmlns:p="http://schemas.openxmlformats.org/presentationml/2006/main">
+  <p:cSld>
+    <p:spTree>
+      <p:nvGrpSpPr>
+        <p:cNvPr id="1" name=""/>
+        <p:cNvGrpSpPr/>
+        <p:nvPr/>
+      </p:nvGrpSpPr>
+      <p:grpSpPr>
+        <a:xfrm>
+          <a:off x="0" y="0"/>
+          <a:ext cx="0" cy="0"/>
+          <a:chOff x="0" y="0"/>
+          <a:chExt cx="0" cy="0"/>
+        </a:xfrm>
+      </p:grpSpPr>
+      <p:sp>
+        <p:nvSpPr>
+          <p:cNvPr id="2" name="標題 1"/>
+          <p:cNvSpPr>
+            <a:spLocks noGrp="1"/>
+          </p:cNvSpPr>
+          <p:nvPr>
+            <p:ph type="title"/>
+          </p:nvPr>
+        </p:nvSpPr>
+        <p:spPr/>
+        <p:txBody>
+          <a:bodyPr/>
+          <a:lstStyle/>
+          <a:p>
+            <a:r>
+              <a:rPr lang="en-US" altLang="zh-TW" dirty="0" smtClean="0"/>
+              <a:t>JS</a:t>
+            </a:r>
+            <a:r>
+              <a:rPr lang="zh-TW" altLang="en-US" dirty="0" smtClean="0"/>
+              <a:t>事件</a:t>
+            </a:r>
+            <a:r>
+              <a:rPr lang="zh-TW" altLang="en-US" dirty="0"/>
+              <a:t>的註冊綁</a:t>
+            </a:r>
+            <a:r>
+              <a:rPr lang="zh-TW" altLang="en-US" dirty="0" smtClean="0"/>
+              <a:t>定</a:t>
+            </a:r>
+            <a:endParaRPr lang="zh-TW" altLang="en-US" dirty="0"/>
+          </a:p>
+        </p:txBody>
+      </p:sp>
+      <p:sp>
+        <p:nvSpPr>
+          <p:cNvPr id="3" name="內容版面配置區 2"/>
+          <p:cNvSpPr>
+            <a:spLocks noGrp="1"/>
+          </p:cNvSpPr>
+          <p:nvPr>
+            <p:ph idx="1"/>
+          </p:nvPr>
+        </p:nvSpPr>
+        <p:spPr/>
+        <p:txBody>
+          <a:bodyPr/>
+          <a:lstStyle/>
+          <a:p>
+            <a:r>
+              <a:rPr lang="en-US" altLang="zh-TW" dirty="0" smtClean="0"/>
+              <a:t>on-event</a:t>
+            </a:r>
+            <a:r>
+              <a:rPr lang="zh-TW" altLang="en-US" dirty="0" smtClean="0"/>
+              <a:t>處理器 </a:t>
+            </a:r>
+            <a:endParaRPr lang="en-US" altLang="zh-TW" dirty="0" smtClean="0"/>
+          </a:p>
+          <a:p>
+            <a:r>
+              <a:rPr lang="en-US" altLang="zh-TW" dirty="0" err="1" smtClean="0"/>
+              <a:t>addEventListener</a:t>
+            </a:r>
+            <a:endParaRPr lang="zh-TW" altLang="en-US" dirty="0"/>
+          </a:p>
+        </p:txBody>
+      </p:sp>
+    </p:spTree>
+    <p:extLst>
+      <p:ext uri="{BB962C8B-B14F-4D97-AF65-F5344CB8AC3E}">
+        <p14:creationId xmlns:p14="http://schemas.microsoft.com/office/powerpoint/2010/main" val="3129135782"/>
+      </p:ext>
+    </p:extLst>
+  </p:cSld>
+  <p:clrMapOvr>
+    <a:masterClrMapping/>
+  </p:clrMapOvr>
+  <mc:AlternateContent xmlns:mc="http://schemas.openxmlformats.org/markup-compatibility/2006" xmlns:p14="http://schemas.microsoft.com/office/powerpoint/2010/main">
+    <mc:Choice Requires="p14">
+      <p:transition spd="slow" p14:dur="1500">
+        <p:random/>
+      </p:transition>
+    </mc:Choice>
+    <mc:Fallback xmlns="">
+      <p:transition spd="slow">
+        <p:random/>
+      </p:transition>
+    </mc:Fallback>
+  </mc:AlternateContent>
+</p:sld>
+</file>
+
+<file path=ppt/slides/slide22.xml><?xml version="1.0" encoding="utf-8"?>
+<p:sld xmlns:a="http://schemas.openxmlformats.org/drawingml/2006/main" xmlns:r="http://schemas.openxmlformats.org/officeDocument/2006/relationships" xmlns:p="http://schemas.openxmlformats.org/presentationml/2006/main">
+  <p:cSld>
+    <p:spTree>
+      <p:nvGrpSpPr>
+        <p:cNvPr id="1" name=""/>
+        <p:cNvGrpSpPr/>
+        <p:nvPr/>
+      </p:nvGrpSpPr>
+      <p:grpSpPr>
+        <a:xfrm>
+          <a:off x="0" y="0"/>
+          <a:ext cx="0" cy="0"/>
+          <a:chOff x="0" y="0"/>
+          <a:chExt cx="0" cy="0"/>
+        </a:xfrm>
+      </p:grpSpPr>
+      <p:sp>
+        <p:nvSpPr>
+          <p:cNvPr id="2" name="標題 1"/>
+          <p:cNvSpPr>
+            <a:spLocks noGrp="1"/>
+          </p:cNvSpPr>
+          <p:nvPr>
+            <p:ph type="title"/>
+          </p:nvPr>
+        </p:nvSpPr>
+        <p:spPr/>
+        <p:txBody>
+          <a:bodyPr/>
+          <a:lstStyle/>
+          <a:p>
+            <a:r>
+              <a:rPr lang="en-US" altLang="zh-TW" dirty="0" smtClean="0"/>
+              <a:t>JS</a:t>
+            </a:r>
+            <a:r>
+              <a:rPr lang="zh-TW" altLang="en-US" dirty="0" smtClean="0"/>
+              <a:t>事件</a:t>
+            </a:r>
+            <a:r>
+              <a:rPr lang="zh-TW" altLang="en-US" dirty="0"/>
+              <a:t>的註冊綁</a:t>
+            </a:r>
+            <a:r>
+              <a:rPr lang="zh-TW" altLang="en-US" dirty="0" smtClean="0"/>
+              <a:t>定</a:t>
+            </a:r>
+            <a:r>
+              <a:rPr lang="en-US" altLang="zh-TW" dirty="0" smtClean="0"/>
+              <a:t>_</a:t>
+            </a:r>
+            <a:r>
+              <a:rPr lang="en-US" altLang="zh-TW" dirty="0" smtClean="0"/>
+              <a:t>on-event</a:t>
+            </a:r>
+            <a:r>
+              <a:rPr lang="zh-TW" altLang="en-US" dirty="0"/>
+              <a:t>處理器 </a:t>
+            </a:r>
+            <a:endParaRPr lang="zh-TW" altLang="en-US" dirty="0"/>
+          </a:p>
+        </p:txBody>
+      </p:sp>
+      <p:pic>
+        <p:nvPicPr>
+          <p:cNvPr id="5" name="圖片 4" descr="畫面剪輯"/>
+          <p:cNvPicPr>
+            <a:picLocks noChangeAspect="1"/>
+          </p:cNvPicPr>
+          <p:nvPr/>
+        </p:nvPicPr>
+        <p:blipFill>
+          <a:blip r:embed="rId2">
+            <a:extLst>
+              <a:ext uri="{28A0092B-C50C-407E-A947-70E740481C1C}">
+                <a14:useLocalDpi xmlns:a14="http://schemas.microsoft.com/office/drawing/2010/main" val="0"/>
+              </a:ext>
+            </a:extLst>
+          </a:blip>
+          <a:stretch>
+            <a:fillRect/>
+          </a:stretch>
+        </p:blipFill>
+        <p:spPr>
+          <a:xfrm>
+            <a:off x="1223930" y="1906109"/>
+            <a:ext cx="6380927" cy="2297133"/>
+          </a:xfrm>
+          <a:prstGeom prst="rect">
+            <a:avLst/>
+          </a:prstGeom>
+        </p:spPr>
+      </p:pic>
+    </p:spTree>
+    <p:extLst>
+      <p:ext uri="{BB962C8B-B14F-4D97-AF65-F5344CB8AC3E}">
+        <p14:creationId xmlns:p14="http://schemas.microsoft.com/office/powerpoint/2010/main" val="2743697845"/>
+      </p:ext>
+    </p:extLst>
+  </p:cSld>
+  <p:clrMapOvr>
+    <a:masterClrMapping/>
+  </p:clrMapOvr>
+  <mc:AlternateContent xmlns:mc="http://schemas.openxmlformats.org/markup-compatibility/2006" xmlns:p14="http://schemas.microsoft.com/office/powerpoint/2010/main">
+    <mc:Choice Requires="p14">
+      <p:transition spd="slow" p14:dur="1500">
+        <p:random/>
+      </p:transition>
+    </mc:Choice>
+    <mc:Fallback xmlns="">
+      <p:transition spd="slow">
+        <p:random/>
+      </p:transition>
+    </mc:Fallback>
+  </mc:AlternateContent>
+</p:sld>
+</file>
+
+<file path=ppt/slides/slide23.xml><?xml version="1.0" encoding="utf-8"?>
+<p:sld xmlns:a="http://schemas.openxmlformats.org/drawingml/2006/main" xmlns:r="http://schemas.openxmlformats.org/officeDocument/2006/relationships" xmlns:p="http://schemas.openxmlformats.org/presentationml/2006/main">
+  <p:cSld>
+    <p:spTree>
+      <p:nvGrpSpPr>
+        <p:cNvPr id="1" name=""/>
+        <p:cNvGrpSpPr/>
+        <p:nvPr/>
+      </p:nvGrpSpPr>
+      <p:grpSpPr>
+        <a:xfrm>
+          <a:off x="0" y="0"/>
+          <a:ext cx="0" cy="0"/>
+          <a:chOff x="0" y="0"/>
+          <a:chExt cx="0" cy="0"/>
+        </a:xfrm>
+      </p:grpSpPr>
+      <p:sp>
+        <p:nvSpPr>
+          <p:cNvPr id="2" name="標題 1"/>
+          <p:cNvSpPr>
+            <a:spLocks noGrp="1"/>
+          </p:cNvSpPr>
+          <p:nvPr>
+            <p:ph type="title"/>
+          </p:nvPr>
+        </p:nvSpPr>
+        <p:spPr/>
+        <p:txBody>
+          <a:bodyPr/>
+          <a:lstStyle/>
+          <a:p>
+            <a:r>
+              <a:rPr lang="en-US" altLang="zh-TW" dirty="0" smtClean="0"/>
+              <a:t>JS</a:t>
+            </a:r>
+            <a:r>
+              <a:rPr lang="zh-TW" altLang="en-US" dirty="0" smtClean="0"/>
+              <a:t>事件</a:t>
+            </a:r>
+            <a:r>
+              <a:rPr lang="zh-TW" altLang="en-US" dirty="0"/>
+              <a:t>的註冊綁</a:t>
+            </a:r>
+            <a:r>
+              <a:rPr lang="zh-TW" altLang="en-US" dirty="0" smtClean="0"/>
+              <a:t>定</a:t>
+            </a:r>
+            <a:r>
+              <a:rPr lang="en-US" altLang="zh-TW" dirty="0"/>
+              <a:t>_</a:t>
+            </a:r>
+            <a:r>
+              <a:rPr lang="en-US" altLang="zh-TW" dirty="0" err="1"/>
+              <a:t>addEventListener</a:t>
+            </a:r>
+            <a:endParaRPr lang="zh-TW" altLang="en-US" dirty="0"/>
+          </a:p>
+        </p:txBody>
+      </p:sp>
+      <p:pic>
+        <p:nvPicPr>
+          <p:cNvPr id="4" name="圖片 3" descr="畫面剪輯"/>
+          <p:cNvPicPr>
+            <a:picLocks noChangeAspect="1"/>
+          </p:cNvPicPr>
+          <p:nvPr/>
+        </p:nvPicPr>
+        <p:blipFill>
+          <a:blip r:embed="rId2">
+            <a:extLst>
+              <a:ext uri="{28A0092B-C50C-407E-A947-70E740481C1C}">
+                <a14:useLocalDpi xmlns:a14="http://schemas.microsoft.com/office/drawing/2010/main" val="0"/>
+              </a:ext>
+            </a:extLst>
+          </a:blip>
+          <a:stretch>
+            <a:fillRect/>
+          </a:stretch>
+        </p:blipFill>
+        <p:spPr>
+          <a:xfrm>
+            <a:off x="1339273" y="2086967"/>
+            <a:ext cx="5786445" cy="2977743"/>
+          </a:xfrm>
+          <a:prstGeom prst="rect">
+            <a:avLst/>
+          </a:prstGeom>
+        </p:spPr>
+      </p:pic>
+    </p:spTree>
+    <p:extLst>
+      <p:ext uri="{BB962C8B-B14F-4D97-AF65-F5344CB8AC3E}">
+        <p14:creationId xmlns:p14="http://schemas.microsoft.com/office/powerpoint/2010/main" val="1494569751"/>
+      </p:ext>
+    </p:extLst>
+  </p:cSld>
+  <p:clrMapOvr>
+    <a:masterClrMapping/>
+  </p:clrMapOvr>
+  <mc:AlternateContent xmlns:mc="http://schemas.openxmlformats.org/markup-compatibility/2006" xmlns:p14="http://schemas.microsoft.com/office/powerpoint/2010/main">
+    <mc:Choice Requires="p14">
+      <p:transition spd="slow" p14:dur="1500">
+        <p:random/>
+      </p:transition>
+    </mc:Choice>
+    <mc:Fallback xmlns="">
+      <p:transition spd="slow">
+        <p:random/>
+      </p:transition>
+    </mc:Fallback>
+  </mc:AlternateContent>
+</p:sld>
+</file>
+
+<file path=ppt/slides/slide24.xml><?xml version="1.0" encoding="utf-8"?>
+<p:sld xmlns:a="http://schemas.openxmlformats.org/drawingml/2006/main" xmlns:r="http://schemas.openxmlformats.org/officeDocument/2006/relationships" xmlns:p="http://schemas.openxmlformats.org/presentationml/2006/main">
+  <p:cSld>
+    <p:spTree>
+      <p:nvGrpSpPr>
+        <p:cNvPr id="1" name=""/>
+        <p:cNvGrpSpPr/>
+        <p:nvPr/>
+      </p:nvGrpSpPr>
+      <p:grpSpPr>
+        <a:xfrm>
+          <a:off x="0" y="0"/>
+          <a:ext cx="0" cy="0"/>
+          <a:chOff x="0" y="0"/>
+          <a:chExt cx="0" cy="0"/>
+        </a:xfrm>
+      </p:grpSpPr>
+      <p:sp>
+        <p:nvSpPr>
+          <p:cNvPr id="2" name="標題 1"/>
+          <p:cNvSpPr>
+            <a:spLocks noGrp="1"/>
+          </p:cNvSpPr>
+          <p:nvPr>
+            <p:ph type="title"/>
+          </p:nvPr>
+        </p:nvSpPr>
+        <p:spPr/>
+        <p:txBody>
+          <a:bodyPr/>
+          <a:lstStyle/>
+          <a:p>
+            <a:r>
+              <a:rPr lang="en-US" altLang="zh-TW" dirty="0" smtClean="0"/>
+              <a:t>ASP.NET</a:t>
+            </a:r>
+            <a:r>
+              <a:rPr lang="zh-TW" altLang="en-US" dirty="0"/>
+              <a:t> </a:t>
+            </a:r>
+            <a:r>
+              <a:rPr lang="en-US" altLang="zh-TW" dirty="0" smtClean="0"/>
+              <a:t>Button</a:t>
+            </a:r>
+            <a:r>
+              <a:rPr lang="zh-TW" altLang="en-US" dirty="0" smtClean="0"/>
+              <a:t>控制項綁定</a:t>
+            </a:r>
+            <a:r>
+              <a:rPr lang="en-US" altLang="zh-TW" dirty="0" smtClean="0"/>
+              <a:t>JS</a:t>
+            </a:r>
+            <a:r>
+              <a:rPr lang="zh-TW" altLang="en-US" dirty="0" smtClean="0"/>
+              <a:t>事件</a:t>
+            </a:r>
+            <a:endParaRPr lang="zh-TW" altLang="en-US" dirty="0"/>
+          </a:p>
+        </p:txBody>
+      </p:sp>
+      <p:pic>
+        <p:nvPicPr>
+          <p:cNvPr id="4" name="圖片 3" descr="畫面剪輯"/>
+          <p:cNvPicPr>
+            <a:picLocks noChangeAspect="1"/>
+          </p:cNvPicPr>
+          <p:nvPr/>
+        </p:nvPicPr>
+        <p:blipFill>
+          <a:blip r:embed="rId2">
+            <a:extLst>
+              <a:ext uri="{28A0092B-C50C-407E-A947-70E740481C1C}">
+                <a14:useLocalDpi xmlns:a14="http://schemas.microsoft.com/office/drawing/2010/main" val="0"/>
+              </a:ext>
+            </a:extLst>
+          </a:blip>
+          <a:stretch>
+            <a:fillRect/>
+          </a:stretch>
+        </p:blipFill>
+        <p:spPr>
+          <a:xfrm>
+            <a:off x="1223930" y="2059710"/>
+            <a:ext cx="8649184" cy="2162296"/>
+          </a:xfrm>
+          <a:prstGeom prst="rect">
+            <a:avLst/>
+          </a:prstGeom>
+        </p:spPr>
+      </p:pic>
+    </p:spTree>
+    <p:extLst>
+      <p:ext uri="{BB962C8B-B14F-4D97-AF65-F5344CB8AC3E}">
+        <p14:creationId xmlns:p14="http://schemas.microsoft.com/office/powerpoint/2010/main" val="1335537517"/>
+      </p:ext>
+    </p:extLst>
+  </p:cSld>
+  <p:clrMapOvr>
+    <a:masterClrMapping/>
+  </p:clrMapOvr>
+  <mc:AlternateContent xmlns:mc="http://schemas.openxmlformats.org/markup-compatibility/2006" xmlns:p14="http://schemas.microsoft.com/office/powerpoint/2010/main">
+    <mc:Choice Requires="p14">
+      <p:transition spd="slow" p14:dur="1500">
+        <p:random/>
+      </p:transition>
+    </mc:Choice>
+    <mc:Fallback xmlns="">
+      <p:transition spd="slow">
+        <p:random/>
+      </p:transition>
+    </mc:Fallback>
+  </mc:AlternateContent>
+</p:sld>
+</file>
+
+<file path=ppt/slides/slide25.xml><?xml version="1.0" encoding="utf-8"?>
+<p:sld xmlns:a="http://schemas.openxmlformats.org/drawingml/2006/main" xmlns:r="http://schemas.openxmlformats.org/officeDocument/2006/relationships" xmlns:p="http://schemas.openxmlformats.org/presentationml/2006/main">
+  <p:cSld>
+    <p:spTree>
+      <p:nvGrpSpPr>
+        <p:cNvPr id="1" name=""/>
+        <p:cNvGrpSpPr/>
+        <p:nvPr/>
+      </p:nvGrpSpPr>
+      <p:grpSpPr>
+        <a:xfrm>
+          <a:off x="0" y="0"/>
+          <a:ext cx="0" cy="0"/>
+          <a:chOff x="0" y="0"/>
+          <a:chExt cx="0" cy="0"/>
+        </a:xfrm>
+      </p:grpSpPr>
+      <p:sp>
+        <p:nvSpPr>
+          <p:cNvPr id="2" name="標題 1"/>
+          <p:cNvSpPr>
+            <a:spLocks noGrp="1"/>
+          </p:cNvSpPr>
+          <p:nvPr>
+            <p:ph type="title"/>
+          </p:nvPr>
+        </p:nvSpPr>
+        <p:spPr/>
+        <p:txBody>
+          <a:bodyPr/>
+          <a:lstStyle/>
+          <a:p>
+            <a:r>
+              <a:rPr lang="en-US" altLang="zh-TW" dirty="0" smtClean="0"/>
               <a:t>Sweetalert2</a:t>
             </a:r>
             <a:r>
@@ -14314,10 +15393,6 @@
             <a:endParaRPr lang="en-US" altLang="zh-TW" dirty="0" smtClean="0"/>
           </a:p>
           <a:p>
-            <a:pPr>
-              <a:buFont typeface="Wingdings" panose="05000000000000000000" pitchFamily="2" charset="2"/>
-              <a:buChar char="Ø"/>
-            </a:pPr>
             <a:r>
               <a:rPr lang="en-US" altLang="zh-TW" dirty="0" err="1"/>
               <a:t>v</a:t>
@@ -14340,10 +15415,6 @@
             </a:r>
           </a:p>
           <a:p>
-            <a:pPr>
-              <a:buFont typeface="Wingdings" panose="05000000000000000000" pitchFamily="2" charset="2"/>
-              <a:buChar char="Ø"/>
-            </a:pPr>
             <a:r>
               <a:rPr lang="en-US" altLang="zh-TW" dirty="0" smtClean="0"/>
               <a:t>let</a:t>
@@ -14362,10 +15433,6 @@
             </a:r>
           </a:p>
           <a:p>
-            <a:pPr>
-              <a:buFont typeface="Wingdings" panose="05000000000000000000" pitchFamily="2" charset="2"/>
-              <a:buChar char="Ø"/>
-            </a:pPr>
             <a:r>
               <a:rPr lang="en-US" altLang="zh-TW" dirty="0" err="1" smtClean="0"/>
               <a:t>const</a:t>
@@ -14752,15 +15819,23 @@
           <a:p>
             <a:r>
               <a:rPr lang="zh-TW" altLang="en-US" dirty="0"/>
-              <a:t>弱型別</a:t>
-            </a:r>
-            <a:r>
-              <a:rPr lang="en-US" altLang="zh-TW" dirty="0"/>
+              <a:t>弱型</a:t>
+            </a:r>
+            <a:r>
+              <a:rPr lang="zh-TW" altLang="en-US" dirty="0" smtClean="0"/>
+              <a:t>別 </a:t>
+            </a:r>
+            <a:r>
+              <a:rPr lang="en-US" altLang="zh-TW" dirty="0" smtClean="0"/>
               <a:t>vs</a:t>
             </a:r>
             <a:r>
+              <a:rPr lang="zh-TW" altLang="en-US" dirty="0" smtClean="0"/>
+              <a:t> 強</a:t>
+            </a:r>
+            <a:r>
               <a:rPr lang="zh-TW" altLang="en-US" dirty="0"/>
-              <a:t>強型別</a:t>
+              <a:t>型別</a:t>
             </a:r>
             <a:endParaRPr lang="en-US" altLang="zh-TW" dirty="0"/>
           </a:p>
@@ -14783,9 +15858,6 @@
           </a:bodyPr>
           <a:lstStyle/>
           <a:p>
-            <a:pPr marL="0" indent="0">
-              <a:buNone/>
-            </a:pPr>
             <a:r>
               <a:rPr lang="zh-TW" altLang="en-US" dirty="0" smtClean="0"/>
               <a:t>強</a:t>
@@ -14800,7 +15872,18 @@
             </a:r>
             <a:r>
               <a:rPr lang="zh-TW" altLang="en-US" dirty="0"/>
-              <a:t>發生的錯誤。 弱型別語言則正好相反，雖然取得了語法簡潔的優點，但要注意型態轉換時產生非預期的問題</a:t>
+              <a:t>發生的錯誤。 </a:t>
+            </a:r>
+            <a:endParaRPr lang="en-US" altLang="zh-TW" dirty="0" smtClean="0"/>
+          </a:p>
+          <a:p>
+            <a:r>
+              <a:rPr lang="zh-TW" altLang="en-US" dirty="0" smtClean="0"/>
+              <a:t>弱</a:t>
+            </a:r>
+            <a:r>
+              <a:rPr lang="zh-TW" altLang="en-US" dirty="0"/>
+              <a:t>型別語言則正好相反，雖然取得了語法簡潔的優點，但要注意型態轉換時產生非預期的問題</a:t>
             </a:r>
             <a:endParaRPr lang="en-US" altLang="zh-TW" dirty="0"/>
           </a:p>
@@ -14865,16 +15948,33 @@
           <a:p>
             <a:r>
               <a:rPr lang="zh-TW" altLang="en-US" dirty="0"/>
-              <a:t>弱型別</a:t>
-            </a:r>
-            <a:r>
-              <a:rPr lang="en-US" altLang="zh-TW" dirty="0"/>
+              <a:t>強型</a:t>
+            </a:r>
+            <a:r>
+              <a:rPr lang="zh-TW" altLang="en-US" dirty="0" smtClean="0"/>
+              <a:t>別</a:t>
+            </a:r>
+            <a:r>
+              <a:rPr lang="zh-TW" altLang="en-US" dirty="0" smtClean="0"/>
+              <a:t> </a:t>
+            </a:r>
+            <a:r>
+              <a:rPr lang="en-US" altLang="zh-TW" dirty="0" smtClean="0"/>
               <a:t>vs</a:t>
             </a:r>
             <a:r>
+              <a:rPr lang="zh-TW" altLang="en-US" dirty="0" smtClean="0"/>
+              <a:t> </a:t>
+            </a:r>
+            <a:r>
+              <a:rPr lang="zh-TW" altLang="en-US" dirty="0" smtClean="0"/>
+              <a:t>弱</a:t>
+            </a:r>
+            <a:r>
               <a:rPr lang="zh-TW" altLang="en-US" dirty="0"/>
-              <a:t>強型別</a:t>
-            </a:r>
+              <a:t>型別</a:t>
+            </a:r>
+            <a:endParaRPr lang="zh-TW" altLang="en-US" dirty="0"/>
           </a:p>
         </p:txBody>
       </p:sp>
@@ -14991,7 +16091,7 @@
         </p:blipFill>
         <p:spPr>
           <a:xfrm>
-            <a:off x="5881153" y="2241093"/>
+            <a:off x="5788787" y="4281753"/>
             <a:ext cx="4143601" cy="1896798"/>
           </a:xfrm>
           <a:prstGeom prst="rect">
@@ -15021,7 +16121,7 @@
         </p:blipFill>
         <p:spPr>
           <a:xfrm>
-            <a:off x="5881153" y="4281753"/>
+            <a:off x="5775890" y="2241093"/>
             <a:ext cx="4169397" cy="1941631"/>
           </a:xfrm>
           <a:prstGeom prst="rect">

--- a/投影片/6.實作-帳號註冊、登入網頁前端防呆與提示.pptx
+++ b/投影片/6.實作-帳號註冊、登入網頁前端防呆與提示.pptx
@@ -5,7 +5,7 @@
     <p:sldMasterId id="2147483648" r:id="rId1"/>
   </p:sldMasterIdLst>
   <p:notesMasterIdLst>
-    <p:notesMasterId r:id="rId27"/>
+    <p:notesMasterId r:id="rId35"/>
   </p:notesMasterIdLst>
   <p:sldIdLst>
     <p:sldId id="258" r:id="rId2"/>
@@ -32,7 +32,15 @@
     <p:sldId id="271" r:id="rId23"/>
     <p:sldId id="285" r:id="rId24"/>
     <p:sldId id="286" r:id="rId25"/>
-    <p:sldId id="272" r:id="rId26"/>
+    <p:sldId id="287" r:id="rId26"/>
+    <p:sldId id="288" r:id="rId27"/>
+    <p:sldId id="289" r:id="rId28"/>
+    <p:sldId id="290" r:id="rId29"/>
+    <p:sldId id="291" r:id="rId30"/>
+    <p:sldId id="292" r:id="rId31"/>
+    <p:sldId id="293" r:id="rId32"/>
+    <p:sldId id="272" r:id="rId33"/>
+    <p:sldId id="294" r:id="rId34"/>
   </p:sldIdLst>
   <p:sldSz cx="12192000" cy="6858000"/>
   <p:notesSz cx="6858000" cy="9144000"/>
@@ -221,7 +229,7 @@
           <a:p>
             <a:fld id="{11C09B83-85C8-4552-811E-03B1892B2F31}" type="datetimeFigureOut">
               <a:rPr lang="zh-TW" altLang="en-US" smtClean="0"/>
-              <a:t>2022/6/8</a:t>
+              <a:t>2022/6/16</a:t>
             </a:fld>
             <a:endParaRPr lang="zh-TW" altLang="en-US"/>
           </a:p>
@@ -877,7 +885,7 @@
           <a:p>
             <a:fld id="{31CDE89B-FBD9-4E23-BEEB-B0C8819124B3}" type="datetimeFigureOut">
               <a:rPr lang="zh-TW" altLang="en-US" smtClean="0"/>
-              <a:t>2022/6/8</a:t>
+              <a:t>2022/6/16</a:t>
             </a:fld>
             <a:endParaRPr lang="zh-TW" altLang="en-US"/>
           </a:p>
@@ -3748,7 +3756,7 @@
           <a:p>
             <a:fld id="{31CDE89B-FBD9-4E23-BEEB-B0C8819124B3}" type="datetimeFigureOut">
               <a:rPr lang="zh-TW" altLang="en-US" smtClean="0"/>
-              <a:t>2022/6/8</a:t>
+              <a:t>2022/6/16</a:t>
             </a:fld>
             <a:endParaRPr lang="zh-TW" altLang="en-US"/>
           </a:p>
@@ -3940,7 +3948,7 @@
           <a:p>
             <a:fld id="{31CDE89B-FBD9-4E23-BEEB-B0C8819124B3}" type="datetimeFigureOut">
               <a:rPr lang="zh-TW" altLang="en-US" smtClean="0"/>
-              <a:t>2022/6/8</a:t>
+              <a:t>2022/6/16</a:t>
             </a:fld>
             <a:endParaRPr lang="zh-TW" altLang="en-US"/>
           </a:p>
@@ -4136,7 +4144,7 @@
           <a:p>
             <a:fld id="{31CDE89B-FBD9-4E23-BEEB-B0C8819124B3}" type="datetimeFigureOut">
               <a:rPr lang="zh-TW" altLang="en-US" smtClean="0"/>
-              <a:t>2022/6/8</a:t>
+              <a:t>2022/6/16</a:t>
             </a:fld>
             <a:endParaRPr lang="zh-TW" altLang="en-US"/>
           </a:p>
@@ -5232,7 +5240,7 @@
           <a:p>
             <a:fld id="{31CDE89B-FBD9-4E23-BEEB-B0C8819124B3}" type="datetimeFigureOut">
               <a:rPr lang="zh-TW" altLang="en-US" smtClean="0"/>
-              <a:t>2022/6/8</a:t>
+              <a:t>2022/6/16</a:t>
             </a:fld>
             <a:endParaRPr lang="zh-TW" altLang="en-US"/>
           </a:p>
@@ -5481,7 +5489,7 @@
           <a:p>
             <a:fld id="{31CDE89B-FBD9-4E23-BEEB-B0C8819124B3}" type="datetimeFigureOut">
               <a:rPr lang="zh-TW" altLang="en-US" smtClean="0"/>
-              <a:t>2022/6/8</a:t>
+              <a:t>2022/6/16</a:t>
             </a:fld>
             <a:endParaRPr lang="zh-TW" altLang="en-US"/>
           </a:p>
@@ -5860,7 +5868,7 @@
           <a:p>
             <a:fld id="{31CDE89B-FBD9-4E23-BEEB-B0C8819124B3}" type="datetimeFigureOut">
               <a:rPr lang="zh-TW" altLang="en-US" smtClean="0"/>
-              <a:t>2022/6/8</a:t>
+              <a:t>2022/6/16</a:t>
             </a:fld>
             <a:endParaRPr lang="zh-TW" altLang="en-US"/>
           </a:p>
@@ -5990,7 +5998,7 @@
           <a:p>
             <a:fld id="{31CDE89B-FBD9-4E23-BEEB-B0C8819124B3}" type="datetimeFigureOut">
               <a:rPr lang="zh-TW" altLang="en-US" smtClean="0"/>
-              <a:t>2022/6/8</a:t>
+              <a:t>2022/6/16</a:t>
             </a:fld>
             <a:endParaRPr lang="zh-TW" altLang="en-US"/>
           </a:p>
@@ -6097,7 +6105,7 @@
           <a:p>
             <a:fld id="{31CDE89B-FBD9-4E23-BEEB-B0C8819124B3}" type="datetimeFigureOut">
               <a:rPr lang="zh-TW" altLang="en-US" smtClean="0"/>
-              <a:t>2022/6/8</a:t>
+              <a:t>2022/6/16</a:t>
             </a:fld>
             <a:endParaRPr lang="zh-TW" altLang="en-US"/>
           </a:p>
@@ -6386,7 +6394,7 @@
           <a:p>
             <a:fld id="{31CDE89B-FBD9-4E23-BEEB-B0C8819124B3}" type="datetimeFigureOut">
               <a:rPr lang="zh-TW" altLang="en-US" smtClean="0"/>
-              <a:t>2022/6/8</a:t>
+              <a:t>2022/6/16</a:t>
             </a:fld>
             <a:endParaRPr lang="zh-TW" altLang="en-US"/>
           </a:p>
@@ -6651,7 +6659,7 @@
           <a:p>
             <a:fld id="{31CDE89B-FBD9-4E23-BEEB-B0C8819124B3}" type="datetimeFigureOut">
               <a:rPr lang="zh-TW" altLang="en-US" smtClean="0"/>
-              <a:t>2022/6/8</a:t>
+              <a:t>2022/6/16</a:t>
             </a:fld>
             <a:endParaRPr lang="zh-TW" altLang="en-US"/>
           </a:p>
@@ -6876,7 +6884,7 @@
           <a:p>
             <a:fld id="{31CDE89B-FBD9-4E23-BEEB-B0C8819124B3}" type="datetimeFigureOut">
               <a:rPr lang="zh-TW" altLang="en-US" smtClean="0"/>
-              <a:t>2022/6/8</a:t>
+              <a:t>2022/6/16</a:t>
             </a:fld>
             <a:endParaRPr lang="zh-TW" altLang="en-US"/>
           </a:p>
@@ -8609,11 +8617,7 @@
             </a:r>
             <a:r>
               <a:rPr lang="zh-TW" altLang="en-US" dirty="0" smtClean="0"/>
-              <a:t>號</a:t>
-            </a:r>
-            <a:r>
-              <a:rPr lang="zh-TW" altLang="en-US" dirty="0" smtClean="0"/>
-              <a:t>位</a:t>
+              <a:t>號位</a:t>
             </a:r>
             <a:endParaRPr lang="zh-TW" altLang="en-US" dirty="0"/>
           </a:p>
@@ -8696,7 +8700,6 @@
               <a:rPr lang="zh-TW" altLang="en-US" dirty="0"/>
               <a:t>號位</a:t>
             </a:r>
-            <a:endParaRPr lang="zh-TW" altLang="en-US" dirty="0"/>
           </a:p>
         </p:txBody>
       </p:sp>
@@ -8777,7 +8780,6 @@
               <a:rPr lang="zh-TW" altLang="en-US" dirty="0"/>
               <a:t>號位</a:t>
             </a:r>
-            <a:endParaRPr lang="zh-TW" altLang="en-US" dirty="0"/>
           </a:p>
         </p:txBody>
       </p:sp>
@@ -8910,7 +8912,6 @@
               <a:rPr lang="zh-TW" altLang="en-US" dirty="0"/>
               <a:t>位</a:t>
             </a:r>
-            <a:endParaRPr lang="zh-TW" altLang="en-US" dirty="0"/>
           </a:p>
         </p:txBody>
       </p:sp>
@@ -14655,17 +14656,12 @@
             </a:r>
             <a:r>
               <a:rPr lang="en-US" altLang="zh-TW" dirty="0" smtClean="0"/>
-              <a:t>_</a:t>
-            </a:r>
-            <a:r>
-              <a:rPr lang="en-US" altLang="zh-TW" dirty="0" smtClean="0"/>
-              <a:t>on-event</a:t>
+              <a:t>_on-event</a:t>
             </a:r>
             <a:r>
               <a:rPr lang="zh-TW" altLang="en-US" dirty="0"/>
               <a:t>處理器 </a:t>
             </a:r>
-            <a:endParaRPr lang="zh-TW" altLang="en-US" dirty="0"/>
           </a:p>
         </p:txBody>
       </p:sp>
@@ -14987,12 +14983,20 @@
           <a:lstStyle/>
           <a:p>
             <a:r>
-              <a:rPr lang="en-US" altLang="zh-TW" dirty="0" smtClean="0"/>
-              <a:t>Sweetalert2</a:t>
+              <a:rPr lang="zh-TW" altLang="en-US" dirty="0"/>
+              <a:t>實作</a:t>
+            </a:r>
+            <a:r>
+              <a:rPr lang="en-US" altLang="zh-TW" dirty="0"/>
+              <a:t>-</a:t>
+            </a:r>
+            <a:r>
+              <a:rPr lang="zh-TW" altLang="en-US" dirty="0"/>
+              <a:t>帳號註冊、登入網頁前端防呆與</a:t>
             </a:r>
             <a:r>
               <a:rPr lang="zh-TW" altLang="en-US" dirty="0" smtClean="0"/>
-              <a:t> 彈跳視窗函式庫</a:t>
+              <a:t>提示</a:t>
             </a:r>
             <a:endParaRPr lang="zh-TW" altLang="en-US" dirty="0"/>
           </a:p>
@@ -15013,20 +15017,81 @@
           <a:bodyPr/>
           <a:lstStyle/>
           <a:p>
+            <a:pPr marL="514350" indent="-514350">
+              <a:buFont typeface="+mj-lt"/>
+              <a:buAutoNum type="arabicPeriod"/>
+            </a:pPr>
             <a:r>
               <a:rPr lang="zh-TW" altLang="en-US" dirty="0" smtClean="0"/>
-              <a:t>引入</a:t>
+              <a:t>觸發送出按鈕點擊事件</a:t>
+            </a:r>
+            <a:r>
+              <a:rPr lang="en-US" altLang="zh-TW" dirty="0" smtClean="0"/>
+              <a:t>(</a:t>
+            </a:r>
+            <a:r>
+              <a:rPr lang="zh-TW" altLang="en-US" dirty="0" smtClean="0"/>
+              <a:t>綁定</a:t>
+            </a:r>
+            <a:r>
+              <a:rPr lang="en-US" altLang="zh-TW" dirty="0" smtClean="0"/>
+              <a:t>function)</a:t>
+            </a:r>
+          </a:p>
+          <a:p>
+            <a:pPr marL="514350" indent="-514350">
+              <a:buFont typeface="+mj-lt"/>
+              <a:buAutoNum type="arabicPeriod"/>
+            </a:pPr>
+            <a:r>
+              <a:rPr lang="zh-TW" altLang="en-US" dirty="0" smtClean="0"/>
+              <a:t>選取要檢查的元素</a:t>
+            </a:r>
+            <a:r>
+              <a:rPr lang="zh-TW" altLang="en-US" dirty="0"/>
+              <a:t>物件</a:t>
             </a:r>
             <a:endParaRPr lang="en-US" altLang="zh-TW" dirty="0" smtClean="0"/>
           </a:p>
           <a:p>
+            <a:pPr marL="514350" indent="-514350">
+              <a:buFont typeface="+mj-lt"/>
+              <a:buAutoNum type="arabicPeriod"/>
+            </a:pPr>
+            <a:r>
+              <a:rPr lang="zh-TW" altLang="en-US" dirty="0"/>
+              <a:t>取出</a:t>
+            </a:r>
             <a:r>
               <a:rPr lang="zh-TW" altLang="en-US" dirty="0" smtClean="0"/>
-              <a:t>使用</a:t>
+              <a:t>元素物件資料進行檢查</a:t>
+            </a:r>
+            <a:endParaRPr lang="en-US" altLang="zh-TW" dirty="0"/>
+          </a:p>
+          <a:p>
+            <a:pPr marL="514350" indent="-514350">
+              <a:buFont typeface="+mj-lt"/>
+              <a:buAutoNum type="arabicPeriod"/>
+            </a:pPr>
+            <a:r>
+              <a:rPr lang="zh-TW" altLang="en-US" dirty="0" smtClean="0"/>
+              <a:t>回</a:t>
+            </a:r>
+            <a:r>
+              <a:rPr lang="zh-TW" altLang="en-US" dirty="0"/>
+              <a:t>傳比對</a:t>
+            </a:r>
+            <a:r>
+              <a:rPr lang="zh-TW" altLang="en-US" dirty="0" smtClean="0"/>
+              <a:t>結果</a:t>
             </a:r>
             <a:endParaRPr lang="en-US" altLang="zh-TW" dirty="0" smtClean="0"/>
           </a:p>
           <a:p>
+            <a:pPr marL="514350" indent="-514350">
+              <a:buFont typeface="+mj-lt"/>
+              <a:buAutoNum type="arabicPeriod"/>
+            </a:pPr>
             <a:endParaRPr lang="zh-TW" altLang="en-US" dirty="0"/>
           </a:p>
         </p:txBody>
@@ -15034,7 +15099,601 @@
     </p:spTree>
     <p:extLst>
       <p:ext uri="{BB962C8B-B14F-4D97-AF65-F5344CB8AC3E}">
-        <p14:creationId xmlns:p14="http://schemas.microsoft.com/office/powerpoint/2010/main" val="3130535086"/>
+        <p14:creationId xmlns:p14="http://schemas.microsoft.com/office/powerpoint/2010/main" val="1798497223"/>
+      </p:ext>
+    </p:extLst>
+  </p:cSld>
+  <p:clrMapOvr>
+    <a:masterClrMapping/>
+  </p:clrMapOvr>
+  <mc:AlternateContent xmlns:mc="http://schemas.openxmlformats.org/markup-compatibility/2006" xmlns:p14="http://schemas.microsoft.com/office/powerpoint/2010/main">
+    <mc:Choice Requires="p14">
+      <p:transition spd="slow" p14:dur="1500">
+        <p:random/>
+      </p:transition>
+    </mc:Choice>
+    <mc:Fallback xmlns="">
+      <p:transition spd="slow">
+        <p:random/>
+      </p:transition>
+    </mc:Fallback>
+  </mc:AlternateContent>
+</p:sld>
+</file>
+
+<file path=ppt/slides/slide26.xml><?xml version="1.0" encoding="utf-8"?>
+<p:sld xmlns:a="http://schemas.openxmlformats.org/drawingml/2006/main" xmlns:r="http://schemas.openxmlformats.org/officeDocument/2006/relationships" xmlns:p="http://schemas.openxmlformats.org/presentationml/2006/main">
+  <p:cSld>
+    <p:spTree>
+      <p:nvGrpSpPr>
+        <p:cNvPr id="1" name=""/>
+        <p:cNvGrpSpPr/>
+        <p:nvPr/>
+      </p:nvGrpSpPr>
+      <p:grpSpPr>
+        <a:xfrm>
+          <a:off x="0" y="0"/>
+          <a:ext cx="0" cy="0"/>
+          <a:chOff x="0" y="0"/>
+          <a:chExt cx="0" cy="0"/>
+        </a:xfrm>
+      </p:grpSpPr>
+      <p:sp>
+        <p:nvSpPr>
+          <p:cNvPr id="2" name="標題 1"/>
+          <p:cNvSpPr>
+            <a:spLocks noGrp="1"/>
+          </p:cNvSpPr>
+          <p:nvPr>
+            <p:ph type="title"/>
+          </p:nvPr>
+        </p:nvSpPr>
+        <p:spPr/>
+        <p:txBody>
+          <a:bodyPr/>
+          <a:lstStyle/>
+          <a:p>
+            <a:r>
+              <a:rPr lang="zh-TW" altLang="en-US" dirty="0"/>
+              <a:t>觸發送出按鈕點擊</a:t>
+            </a:r>
+            <a:r>
+              <a:rPr lang="zh-TW" altLang="en-US" dirty="0" smtClean="0"/>
+              <a:t>事件</a:t>
+            </a:r>
+            <a:endParaRPr lang="zh-TW" altLang="en-US" dirty="0"/>
+          </a:p>
+        </p:txBody>
+      </p:sp>
+      <p:pic>
+        <p:nvPicPr>
+          <p:cNvPr id="4" name="內容版面配置區 3" descr="畫面剪輯"/>
+          <p:cNvPicPr>
+            <a:picLocks noGrp="1" noChangeAspect="1"/>
+          </p:cNvPicPr>
+          <p:nvPr>
+            <p:ph idx="1"/>
+          </p:nvPr>
+        </p:nvPicPr>
+        <p:blipFill>
+          <a:blip r:embed="rId2">
+            <a:extLst>
+              <a:ext uri="{28A0092B-C50C-407E-A947-70E740481C1C}">
+                <a14:useLocalDpi xmlns:a14="http://schemas.microsoft.com/office/drawing/2010/main" val="0"/>
+              </a:ext>
+            </a:extLst>
+          </a:blip>
+          <a:stretch>
+            <a:fillRect/>
+          </a:stretch>
+        </p:blipFill>
+        <p:spPr>
+          <a:xfrm>
+            <a:off x="866468" y="1237674"/>
+            <a:ext cx="10789823" cy="5591734"/>
+          </a:xfrm>
+        </p:spPr>
+      </p:pic>
+      <p:cxnSp>
+        <p:nvCxnSpPr>
+          <p:cNvPr id="6" name="直線接點 5"/>
+          <p:cNvCxnSpPr/>
+          <p:nvPr/>
+        </p:nvCxnSpPr>
+        <p:spPr>
+          <a:xfrm>
+            <a:off x="8913091" y="1782618"/>
+            <a:ext cx="2382982" cy="18473"/>
+          </a:xfrm>
+          <a:prstGeom prst="line">
+            <a:avLst/>
+          </a:prstGeom>
+          <a:ln w="28575">
+            <a:solidFill>
+              <a:srgbClr val="FF0000"/>
+            </a:solidFill>
+          </a:ln>
+        </p:spPr>
+        <p:style>
+          <a:lnRef idx="1">
+            <a:schemeClr val="accent1"/>
+          </a:lnRef>
+          <a:fillRef idx="0">
+            <a:schemeClr val="accent1"/>
+          </a:fillRef>
+          <a:effectRef idx="0">
+            <a:schemeClr val="accent1"/>
+          </a:effectRef>
+          <a:fontRef idx="minor">
+            <a:schemeClr val="tx1"/>
+          </a:fontRef>
+        </p:style>
+      </p:cxnSp>
+      <p:sp>
+        <p:nvSpPr>
+          <p:cNvPr id="10" name="矩形 9"/>
+          <p:cNvSpPr/>
+          <p:nvPr/>
+        </p:nvSpPr>
+        <p:spPr>
+          <a:xfrm>
+            <a:off x="1634836" y="5255491"/>
+            <a:ext cx="1773382" cy="1191491"/>
+          </a:xfrm>
+          <a:prstGeom prst="rect">
+            <a:avLst/>
+          </a:prstGeom>
+          <a:noFill/>
+          <a:ln w="28575">
+            <a:solidFill>
+              <a:srgbClr val="FF0000"/>
+            </a:solidFill>
+          </a:ln>
+        </p:spPr>
+        <p:style>
+          <a:lnRef idx="2">
+            <a:schemeClr val="accent1">
+              <a:shade val="50000"/>
+            </a:schemeClr>
+          </a:lnRef>
+          <a:fillRef idx="1">
+            <a:schemeClr val="accent1"/>
+          </a:fillRef>
+          <a:effectRef idx="0">
+            <a:schemeClr val="accent1"/>
+          </a:effectRef>
+          <a:fontRef idx="minor">
+            <a:schemeClr val="lt1"/>
+          </a:fontRef>
+        </p:style>
+        <p:txBody>
+          <a:bodyPr rtlCol="0" anchor="ctr"/>
+          <a:lstStyle/>
+          <a:p>
+            <a:pPr algn="ctr"/>
+            <a:endParaRPr lang="zh-TW" altLang="en-US"/>
+          </a:p>
+        </p:txBody>
+      </p:sp>
+    </p:spTree>
+    <p:extLst>
+      <p:ext uri="{BB962C8B-B14F-4D97-AF65-F5344CB8AC3E}">
+        <p14:creationId xmlns:p14="http://schemas.microsoft.com/office/powerpoint/2010/main" val="635327248"/>
+      </p:ext>
+    </p:extLst>
+  </p:cSld>
+  <p:clrMapOvr>
+    <a:masterClrMapping/>
+  </p:clrMapOvr>
+  <mc:AlternateContent xmlns:mc="http://schemas.openxmlformats.org/markup-compatibility/2006" xmlns:p14="http://schemas.microsoft.com/office/powerpoint/2010/main">
+    <mc:Choice Requires="p14">
+      <p:transition spd="slow" p14:dur="1500">
+        <p:random/>
+      </p:transition>
+    </mc:Choice>
+    <mc:Fallback xmlns="">
+      <p:transition spd="slow">
+        <p:random/>
+      </p:transition>
+    </mc:Fallback>
+  </mc:AlternateContent>
+</p:sld>
+</file>
+
+<file path=ppt/slides/slide27.xml><?xml version="1.0" encoding="utf-8"?>
+<p:sld xmlns:a="http://schemas.openxmlformats.org/drawingml/2006/main" xmlns:r="http://schemas.openxmlformats.org/officeDocument/2006/relationships" xmlns:p="http://schemas.openxmlformats.org/presentationml/2006/main">
+  <p:cSld>
+    <p:spTree>
+      <p:nvGrpSpPr>
+        <p:cNvPr id="1" name=""/>
+        <p:cNvGrpSpPr/>
+        <p:nvPr/>
+      </p:nvGrpSpPr>
+      <p:grpSpPr>
+        <a:xfrm>
+          <a:off x="0" y="0"/>
+          <a:ext cx="0" cy="0"/>
+          <a:chOff x="0" y="0"/>
+          <a:chExt cx="0" cy="0"/>
+        </a:xfrm>
+      </p:grpSpPr>
+      <p:sp>
+        <p:nvSpPr>
+          <p:cNvPr id="2" name="標題 1"/>
+          <p:cNvSpPr>
+            <a:spLocks noGrp="1"/>
+          </p:cNvSpPr>
+          <p:nvPr>
+            <p:ph type="title"/>
+          </p:nvPr>
+        </p:nvSpPr>
+        <p:spPr/>
+        <p:txBody>
+          <a:bodyPr/>
+          <a:lstStyle/>
+          <a:p>
+            <a:r>
+              <a:rPr lang="zh-TW" altLang="en-US" dirty="0"/>
+              <a:t>選取要檢查的元素物件</a:t>
+            </a:r>
+          </a:p>
+        </p:txBody>
+      </p:sp>
+      <p:sp>
+        <p:nvSpPr>
+          <p:cNvPr id="3" name="內容版面配置區 2"/>
+          <p:cNvSpPr>
+            <a:spLocks noGrp="1"/>
+          </p:cNvSpPr>
+          <p:nvPr>
+            <p:ph idx="1"/>
+          </p:nvPr>
+        </p:nvSpPr>
+        <p:spPr/>
+        <p:txBody>
+          <a:bodyPr/>
+          <a:lstStyle/>
+          <a:p>
+            <a:r>
+              <a:rPr lang="zh-TW" altLang="en-US" dirty="0" smtClean="0"/>
+              <a:t>帳號</a:t>
+            </a:r>
+            <a:endParaRPr lang="en-US" altLang="zh-TW" dirty="0" smtClean="0"/>
+          </a:p>
+          <a:p>
+            <a:pPr lvl="1"/>
+            <a:r>
+              <a:rPr lang="zh-TW" altLang="en-US" dirty="0"/>
+              <a:t>帳號必須英文或數字且</a:t>
+            </a:r>
+            <a:r>
+              <a:rPr lang="en-US" altLang="zh-TW" dirty="0"/>
+              <a:t>6~20</a:t>
+            </a:r>
+            <a:r>
+              <a:rPr lang="zh-TW" altLang="en-US" dirty="0"/>
+              <a:t>字元</a:t>
+            </a:r>
+            <a:endParaRPr lang="en-US" altLang="zh-TW" dirty="0" smtClean="0"/>
+          </a:p>
+          <a:p>
+            <a:r>
+              <a:rPr lang="zh-TW" altLang="en-US" dirty="0" smtClean="0"/>
+              <a:t>姓名</a:t>
+            </a:r>
+            <a:endParaRPr lang="en-US" altLang="zh-TW" dirty="0" smtClean="0"/>
+          </a:p>
+          <a:p>
+            <a:pPr lvl="1"/>
+            <a:r>
+              <a:rPr lang="zh-TW" altLang="en-US" dirty="0"/>
+              <a:t>姓名字數要在</a:t>
+            </a:r>
+            <a:r>
+              <a:rPr lang="en-US" altLang="zh-TW" dirty="0"/>
+              <a:t>3~20</a:t>
+            </a:r>
+            <a:r>
+              <a:rPr lang="zh-TW" altLang="en-US" dirty="0"/>
+              <a:t>字</a:t>
+            </a:r>
+            <a:endParaRPr lang="en-US" altLang="zh-TW" dirty="0" smtClean="0"/>
+          </a:p>
+          <a:p>
+            <a:r>
+              <a:rPr lang="en-US" altLang="zh-TW" dirty="0" smtClean="0"/>
+              <a:t>Email</a:t>
+            </a:r>
+          </a:p>
+          <a:p>
+            <a:pPr lvl="1"/>
+            <a:r>
+              <a:rPr lang="en-US" altLang="zh-TW" dirty="0"/>
+              <a:t>email</a:t>
+            </a:r>
+            <a:r>
+              <a:rPr lang="zh-TW" altLang="en-US" dirty="0" smtClean="0"/>
+              <a:t>格式、</a:t>
+            </a:r>
+            <a:r>
+              <a:rPr lang="en-US" altLang="zh-TW" dirty="0"/>
+              <a:t> email</a:t>
+            </a:r>
+            <a:r>
+              <a:rPr lang="zh-TW" altLang="en-US" dirty="0"/>
+              <a:t>字數要在</a:t>
+            </a:r>
+            <a:r>
+              <a:rPr lang="en-US" altLang="zh-TW" dirty="0"/>
+              <a:t>20</a:t>
+            </a:r>
+            <a:r>
+              <a:rPr lang="zh-TW" altLang="en-US" dirty="0"/>
+              <a:t>字元以內</a:t>
+            </a:r>
+            <a:endParaRPr lang="en-US" altLang="zh-TW" dirty="0" smtClean="0"/>
+          </a:p>
+          <a:p>
+            <a:r>
+              <a:rPr lang="zh-TW" altLang="en-US" dirty="0" smtClean="0"/>
+              <a:t>密碼</a:t>
+            </a:r>
+            <a:endParaRPr lang="en-US" altLang="zh-TW" dirty="0" smtClean="0"/>
+          </a:p>
+          <a:p>
+            <a:pPr lvl="1"/>
+            <a:r>
+              <a:rPr lang="zh-TW" altLang="en-US" dirty="0"/>
+              <a:t>密碼必須至少</a:t>
+            </a:r>
+            <a:r>
+              <a:rPr lang="en-US" altLang="zh-TW" dirty="0"/>
+              <a:t>1</a:t>
+            </a:r>
+            <a:r>
+              <a:rPr lang="zh-TW" altLang="en-US" dirty="0"/>
+              <a:t>個數字、一個小寫英文字、一個大些英文字及長度要在</a:t>
+            </a:r>
+            <a:r>
+              <a:rPr lang="en-US" altLang="zh-TW" dirty="0"/>
+              <a:t>8~30</a:t>
+            </a:r>
+            <a:r>
+              <a:rPr lang="zh-TW" altLang="en-US" dirty="0"/>
+              <a:t>個</a:t>
+            </a:r>
+            <a:r>
+              <a:rPr lang="zh-TW" altLang="en-US" dirty="0" smtClean="0"/>
+              <a:t>字元、</a:t>
+            </a:r>
+            <a:r>
+              <a:rPr lang="zh-TW" altLang="en-US" dirty="0"/>
+              <a:t>密碼與重新輸入密碼不一致</a:t>
+            </a:r>
+            <a:endParaRPr lang="zh-TW" altLang="en-US" dirty="0"/>
+          </a:p>
+        </p:txBody>
+      </p:sp>
+    </p:spTree>
+    <p:extLst>
+      <p:ext uri="{BB962C8B-B14F-4D97-AF65-F5344CB8AC3E}">
+        <p14:creationId xmlns:p14="http://schemas.microsoft.com/office/powerpoint/2010/main" val="3355523810"/>
+      </p:ext>
+    </p:extLst>
+  </p:cSld>
+  <p:clrMapOvr>
+    <a:masterClrMapping/>
+  </p:clrMapOvr>
+  <mc:AlternateContent xmlns:mc="http://schemas.openxmlformats.org/markup-compatibility/2006" xmlns:p14="http://schemas.microsoft.com/office/powerpoint/2010/main">
+    <mc:Choice Requires="p14">
+      <p:transition spd="slow" p14:dur="1500">
+        <p:random/>
+      </p:transition>
+    </mc:Choice>
+    <mc:Fallback xmlns="">
+      <p:transition spd="slow">
+        <p:random/>
+      </p:transition>
+    </mc:Fallback>
+  </mc:AlternateContent>
+</p:sld>
+</file>
+
+<file path=ppt/slides/slide28.xml><?xml version="1.0" encoding="utf-8"?>
+<p:sld xmlns:a="http://schemas.openxmlformats.org/drawingml/2006/main" xmlns:r="http://schemas.openxmlformats.org/officeDocument/2006/relationships" xmlns:p="http://schemas.openxmlformats.org/presentationml/2006/main">
+  <p:cSld>
+    <p:spTree>
+      <p:nvGrpSpPr>
+        <p:cNvPr id="1" name=""/>
+        <p:cNvGrpSpPr/>
+        <p:nvPr/>
+      </p:nvGrpSpPr>
+      <p:grpSpPr>
+        <a:xfrm>
+          <a:off x="0" y="0"/>
+          <a:ext cx="0" cy="0"/>
+          <a:chOff x="0" y="0"/>
+          <a:chExt cx="0" cy="0"/>
+        </a:xfrm>
+      </p:grpSpPr>
+      <p:sp>
+        <p:nvSpPr>
+          <p:cNvPr id="2" name="標題 1"/>
+          <p:cNvSpPr>
+            <a:spLocks noGrp="1"/>
+          </p:cNvSpPr>
+          <p:nvPr>
+            <p:ph type="title"/>
+          </p:nvPr>
+        </p:nvSpPr>
+        <p:spPr/>
+        <p:txBody>
+          <a:bodyPr/>
+          <a:lstStyle/>
+          <a:p>
+            <a:r>
+              <a:rPr lang="zh-TW" altLang="en-US" dirty="0"/>
+              <a:t>選取要檢查的元素物件</a:t>
+            </a:r>
+          </a:p>
+        </p:txBody>
+      </p:sp>
+      <p:pic>
+        <p:nvPicPr>
+          <p:cNvPr id="4" name="內容版面配置區 3" descr="畫面剪輯"/>
+          <p:cNvPicPr>
+            <a:picLocks noGrp="1" noChangeAspect="1"/>
+          </p:cNvPicPr>
+          <p:nvPr>
+            <p:ph idx="1"/>
+          </p:nvPr>
+        </p:nvPicPr>
+        <p:blipFill>
+          <a:blip r:embed="rId2">
+            <a:extLst>
+              <a:ext uri="{28A0092B-C50C-407E-A947-70E740481C1C}">
+                <a14:useLocalDpi xmlns:a14="http://schemas.microsoft.com/office/drawing/2010/main" val="0"/>
+              </a:ext>
+            </a:extLst>
+          </a:blip>
+          <a:stretch>
+            <a:fillRect/>
+          </a:stretch>
+        </p:blipFill>
+        <p:spPr>
+          <a:xfrm>
+            <a:off x="1223930" y="1899855"/>
+            <a:ext cx="9051800" cy="3041599"/>
+          </a:xfrm>
+        </p:spPr>
+      </p:pic>
+      <p:pic>
+        <p:nvPicPr>
+          <p:cNvPr id="5" name="圖片 4" descr="畫面剪輯"/>
+          <p:cNvPicPr>
+            <a:picLocks noChangeAspect="1"/>
+          </p:cNvPicPr>
+          <p:nvPr/>
+        </p:nvPicPr>
+        <p:blipFill>
+          <a:blip r:embed="rId3">
+            <a:extLst>
+              <a:ext uri="{28A0092B-C50C-407E-A947-70E740481C1C}">
+                <a14:useLocalDpi xmlns:a14="http://schemas.microsoft.com/office/drawing/2010/main" val="0"/>
+              </a:ext>
+            </a:extLst>
+          </a:blip>
+          <a:stretch>
+            <a:fillRect/>
+          </a:stretch>
+        </p:blipFill>
+        <p:spPr>
+          <a:xfrm>
+            <a:off x="1223930" y="5098186"/>
+            <a:ext cx="9072732" cy="1598178"/>
+          </a:xfrm>
+          <a:prstGeom prst="rect">
+            <a:avLst/>
+          </a:prstGeom>
+        </p:spPr>
+      </p:pic>
+    </p:spTree>
+    <p:extLst>
+      <p:ext uri="{BB962C8B-B14F-4D97-AF65-F5344CB8AC3E}">
+        <p14:creationId xmlns:p14="http://schemas.microsoft.com/office/powerpoint/2010/main" val="2663344775"/>
+      </p:ext>
+    </p:extLst>
+  </p:cSld>
+  <p:clrMapOvr>
+    <a:masterClrMapping/>
+  </p:clrMapOvr>
+  <mc:AlternateContent xmlns:mc="http://schemas.openxmlformats.org/markup-compatibility/2006" xmlns:p14="http://schemas.microsoft.com/office/powerpoint/2010/main">
+    <mc:Choice Requires="p14">
+      <p:transition spd="slow" p14:dur="1500">
+        <p:random/>
+      </p:transition>
+    </mc:Choice>
+    <mc:Fallback xmlns="">
+      <p:transition spd="slow">
+        <p:random/>
+      </p:transition>
+    </mc:Fallback>
+  </mc:AlternateContent>
+</p:sld>
+</file>
+
+<file path=ppt/slides/slide29.xml><?xml version="1.0" encoding="utf-8"?>
+<p:sld xmlns:a="http://schemas.openxmlformats.org/drawingml/2006/main" xmlns:r="http://schemas.openxmlformats.org/officeDocument/2006/relationships" xmlns:p="http://schemas.openxmlformats.org/presentationml/2006/main">
+  <p:cSld>
+    <p:spTree>
+      <p:nvGrpSpPr>
+        <p:cNvPr id="1" name=""/>
+        <p:cNvGrpSpPr/>
+        <p:nvPr/>
+      </p:nvGrpSpPr>
+      <p:grpSpPr>
+        <a:xfrm>
+          <a:off x="0" y="0"/>
+          <a:ext cx="0" cy="0"/>
+          <a:chOff x="0" y="0"/>
+          <a:chExt cx="0" cy="0"/>
+        </a:xfrm>
+      </p:grpSpPr>
+      <p:sp>
+        <p:nvSpPr>
+          <p:cNvPr id="2" name="標題 1"/>
+          <p:cNvSpPr>
+            <a:spLocks noGrp="1"/>
+          </p:cNvSpPr>
+          <p:nvPr>
+            <p:ph type="title"/>
+          </p:nvPr>
+        </p:nvSpPr>
+        <p:spPr/>
+        <p:txBody>
+          <a:bodyPr/>
+          <a:lstStyle/>
+          <a:p>
+            <a:r>
+              <a:rPr lang="zh-TW" altLang="en-US" dirty="0"/>
+              <a:t>選取要檢查的元素物件</a:t>
+            </a:r>
+          </a:p>
+        </p:txBody>
+      </p:sp>
+      <p:pic>
+        <p:nvPicPr>
+          <p:cNvPr id="4" name="內容版面配置區 3" descr="畫面剪輯"/>
+          <p:cNvPicPr>
+            <a:picLocks noGrp="1" noChangeAspect="1"/>
+          </p:cNvPicPr>
+          <p:nvPr>
+            <p:ph idx="1"/>
+          </p:nvPr>
+        </p:nvPicPr>
+        <p:blipFill>
+          <a:blip r:embed="rId2">
+            <a:extLst>
+              <a:ext uri="{28A0092B-C50C-407E-A947-70E740481C1C}">
+                <a14:useLocalDpi xmlns:a14="http://schemas.microsoft.com/office/drawing/2010/main" val="0"/>
+              </a:ext>
+            </a:extLst>
+          </a:blip>
+          <a:stretch>
+            <a:fillRect/>
+          </a:stretch>
+        </p:blipFill>
+        <p:spPr>
+          <a:xfrm>
+            <a:off x="1311562" y="1637194"/>
+            <a:ext cx="7111915" cy="4089351"/>
+          </a:xfrm>
+        </p:spPr>
+      </p:pic>
+    </p:spTree>
+    <p:extLst>
+      <p:ext uri="{BB962C8B-B14F-4D97-AF65-F5344CB8AC3E}">
+        <p14:creationId xmlns:p14="http://schemas.microsoft.com/office/powerpoint/2010/main" val="1161248105"/>
       </p:ext>
     </p:extLst>
   </p:cSld>
@@ -15180,6 +15839,446 @@
     <p:extLst>
       <p:ext uri="{BB962C8B-B14F-4D97-AF65-F5344CB8AC3E}">
         <p14:creationId xmlns:p14="http://schemas.microsoft.com/office/powerpoint/2010/main" val="2339990361"/>
+      </p:ext>
+    </p:extLst>
+  </p:cSld>
+  <p:clrMapOvr>
+    <a:masterClrMapping/>
+  </p:clrMapOvr>
+  <mc:AlternateContent xmlns:mc="http://schemas.openxmlformats.org/markup-compatibility/2006" xmlns:p14="http://schemas.microsoft.com/office/powerpoint/2010/main">
+    <mc:Choice Requires="p14">
+      <p:transition spd="slow" p14:dur="1500">
+        <p:random/>
+      </p:transition>
+    </mc:Choice>
+    <mc:Fallback xmlns="">
+      <p:transition spd="slow">
+        <p:random/>
+      </p:transition>
+    </mc:Fallback>
+  </mc:AlternateContent>
+</p:sld>
+</file>
+
+<file path=ppt/slides/slide30.xml><?xml version="1.0" encoding="utf-8"?>
+<p:sld xmlns:a="http://schemas.openxmlformats.org/drawingml/2006/main" xmlns:r="http://schemas.openxmlformats.org/officeDocument/2006/relationships" xmlns:p="http://schemas.openxmlformats.org/presentationml/2006/main">
+  <p:cSld>
+    <p:spTree>
+      <p:nvGrpSpPr>
+        <p:cNvPr id="1" name=""/>
+        <p:cNvGrpSpPr/>
+        <p:nvPr/>
+      </p:nvGrpSpPr>
+      <p:grpSpPr>
+        <a:xfrm>
+          <a:off x="0" y="0"/>
+          <a:ext cx="0" cy="0"/>
+          <a:chOff x="0" y="0"/>
+          <a:chExt cx="0" cy="0"/>
+        </a:xfrm>
+      </p:grpSpPr>
+      <p:sp>
+        <p:nvSpPr>
+          <p:cNvPr id="2" name="標題 1"/>
+          <p:cNvSpPr>
+            <a:spLocks noGrp="1"/>
+          </p:cNvSpPr>
+          <p:nvPr>
+            <p:ph type="title"/>
+          </p:nvPr>
+        </p:nvSpPr>
+        <p:spPr/>
+        <p:txBody>
+          <a:bodyPr/>
+          <a:lstStyle/>
+          <a:p>
+            <a:r>
+              <a:rPr lang="zh-TW" altLang="en-US" dirty="0"/>
+              <a:t>取出元素物件資料進行檢查</a:t>
+            </a:r>
+          </a:p>
+        </p:txBody>
+      </p:sp>
+      <p:pic>
+        <p:nvPicPr>
+          <p:cNvPr id="5" name="圖片 4" descr="畫面剪輯"/>
+          <p:cNvPicPr>
+            <a:picLocks noChangeAspect="1"/>
+          </p:cNvPicPr>
+          <p:nvPr/>
+        </p:nvPicPr>
+        <p:blipFill rotWithShape="1">
+          <a:blip r:embed="rId2">
+            <a:extLst>
+              <a:ext uri="{28A0092B-C50C-407E-A947-70E740481C1C}">
+                <a14:useLocalDpi xmlns:a14="http://schemas.microsoft.com/office/drawing/2010/main" val="0"/>
+              </a:ext>
+            </a:extLst>
+          </a:blip>
+          <a:srcRect b="14711"/>
+          <a:stretch/>
+        </p:blipFill>
+        <p:spPr>
+          <a:xfrm>
+            <a:off x="1223930" y="1450714"/>
+            <a:ext cx="7338179" cy="4580631"/>
+          </a:xfrm>
+          <a:prstGeom prst="rect">
+            <a:avLst/>
+          </a:prstGeom>
+        </p:spPr>
+      </p:pic>
+    </p:spTree>
+    <p:extLst>
+      <p:ext uri="{BB962C8B-B14F-4D97-AF65-F5344CB8AC3E}">
+        <p14:creationId xmlns:p14="http://schemas.microsoft.com/office/powerpoint/2010/main" val="1970756812"/>
+      </p:ext>
+    </p:extLst>
+  </p:cSld>
+  <p:clrMapOvr>
+    <a:masterClrMapping/>
+  </p:clrMapOvr>
+  <mc:AlternateContent xmlns:mc="http://schemas.openxmlformats.org/markup-compatibility/2006" xmlns:p14="http://schemas.microsoft.com/office/powerpoint/2010/main">
+    <mc:Choice Requires="p14">
+      <p:transition spd="slow" p14:dur="1500">
+        <p:random/>
+      </p:transition>
+    </mc:Choice>
+    <mc:Fallback xmlns="">
+      <p:transition spd="slow">
+        <p:random/>
+      </p:transition>
+    </mc:Fallback>
+  </mc:AlternateContent>
+</p:sld>
+</file>
+
+<file path=ppt/slides/slide31.xml><?xml version="1.0" encoding="utf-8"?>
+<p:sld xmlns:a="http://schemas.openxmlformats.org/drawingml/2006/main" xmlns:r="http://schemas.openxmlformats.org/officeDocument/2006/relationships" xmlns:p="http://schemas.openxmlformats.org/presentationml/2006/main">
+  <p:cSld>
+    <p:spTree>
+      <p:nvGrpSpPr>
+        <p:cNvPr id="1" name=""/>
+        <p:cNvGrpSpPr/>
+        <p:nvPr/>
+      </p:nvGrpSpPr>
+      <p:grpSpPr>
+        <a:xfrm>
+          <a:off x="0" y="0"/>
+          <a:ext cx="0" cy="0"/>
+          <a:chOff x="0" y="0"/>
+          <a:chExt cx="0" cy="0"/>
+        </a:xfrm>
+      </p:grpSpPr>
+      <p:sp>
+        <p:nvSpPr>
+          <p:cNvPr id="2" name="標題 1"/>
+          <p:cNvSpPr>
+            <a:spLocks noGrp="1"/>
+          </p:cNvSpPr>
+          <p:nvPr>
+            <p:ph type="title"/>
+          </p:nvPr>
+        </p:nvSpPr>
+        <p:spPr/>
+        <p:txBody>
+          <a:bodyPr/>
+          <a:lstStyle/>
+          <a:p>
+            <a:r>
+              <a:rPr lang="zh-TW" altLang="en-US" dirty="0"/>
+              <a:t>回傳比對</a:t>
+            </a:r>
+            <a:r>
+              <a:rPr lang="zh-TW" altLang="en-US" dirty="0" smtClean="0"/>
+              <a:t>結果</a:t>
+            </a:r>
+            <a:endParaRPr lang="zh-TW" altLang="en-US" dirty="0"/>
+          </a:p>
+        </p:txBody>
+      </p:sp>
+      <p:pic>
+        <p:nvPicPr>
+          <p:cNvPr id="4" name="圖片 3" descr="畫面剪輯"/>
+          <p:cNvPicPr>
+            <a:picLocks noChangeAspect="1"/>
+          </p:cNvPicPr>
+          <p:nvPr/>
+        </p:nvPicPr>
+        <p:blipFill rotWithShape="1">
+          <a:blip r:embed="rId2">
+            <a:extLst>
+              <a:ext uri="{28A0092B-C50C-407E-A947-70E740481C1C}">
+                <a14:useLocalDpi xmlns:a14="http://schemas.microsoft.com/office/drawing/2010/main" val="0"/>
+              </a:ext>
+            </a:extLst>
+          </a:blip>
+          <a:srcRect t="84086"/>
+          <a:stretch/>
+        </p:blipFill>
+        <p:spPr>
+          <a:xfrm>
+            <a:off x="1223930" y="1745673"/>
+            <a:ext cx="10432361" cy="1215116"/>
+          </a:xfrm>
+          <a:prstGeom prst="rect">
+            <a:avLst/>
+          </a:prstGeom>
+        </p:spPr>
+      </p:pic>
+    </p:spTree>
+    <p:extLst>
+      <p:ext uri="{BB962C8B-B14F-4D97-AF65-F5344CB8AC3E}">
+        <p14:creationId xmlns:p14="http://schemas.microsoft.com/office/powerpoint/2010/main" val="870487913"/>
+      </p:ext>
+    </p:extLst>
+  </p:cSld>
+  <p:clrMapOvr>
+    <a:masterClrMapping/>
+  </p:clrMapOvr>
+  <mc:AlternateContent xmlns:mc="http://schemas.openxmlformats.org/markup-compatibility/2006" xmlns:p14="http://schemas.microsoft.com/office/powerpoint/2010/main">
+    <mc:Choice Requires="p14">
+      <p:transition spd="slow" p14:dur="1500">
+        <p:random/>
+      </p:transition>
+    </mc:Choice>
+    <mc:Fallback xmlns="">
+      <p:transition spd="slow">
+        <p:random/>
+      </p:transition>
+    </mc:Fallback>
+  </mc:AlternateContent>
+</p:sld>
+</file>
+
+<file path=ppt/slides/slide32.xml><?xml version="1.0" encoding="utf-8"?>
+<p:sld xmlns:a="http://schemas.openxmlformats.org/drawingml/2006/main" xmlns:r="http://schemas.openxmlformats.org/officeDocument/2006/relationships" xmlns:p="http://schemas.openxmlformats.org/presentationml/2006/main">
+  <p:cSld>
+    <p:spTree>
+      <p:nvGrpSpPr>
+        <p:cNvPr id="1" name=""/>
+        <p:cNvGrpSpPr/>
+        <p:nvPr/>
+      </p:nvGrpSpPr>
+      <p:grpSpPr>
+        <a:xfrm>
+          <a:off x="0" y="0"/>
+          <a:ext cx="0" cy="0"/>
+          <a:chOff x="0" y="0"/>
+          <a:chExt cx="0" cy="0"/>
+        </a:xfrm>
+      </p:grpSpPr>
+      <p:sp>
+        <p:nvSpPr>
+          <p:cNvPr id="2" name="標題 1"/>
+          <p:cNvSpPr>
+            <a:spLocks noGrp="1"/>
+          </p:cNvSpPr>
+          <p:nvPr>
+            <p:ph type="title"/>
+          </p:nvPr>
+        </p:nvSpPr>
+        <p:spPr/>
+        <p:txBody>
+          <a:bodyPr/>
+          <a:lstStyle/>
+          <a:p>
+            <a:r>
+              <a:rPr lang="en-US" altLang="zh-TW" dirty="0" smtClean="0"/>
+              <a:t>Sweetalert2</a:t>
+            </a:r>
+            <a:r>
+              <a:rPr lang="zh-TW" altLang="en-US" dirty="0" smtClean="0"/>
+              <a:t> 彈跳視窗函式庫</a:t>
+            </a:r>
+            <a:endParaRPr lang="zh-TW" altLang="en-US" dirty="0"/>
+          </a:p>
+        </p:txBody>
+      </p:sp>
+      <p:sp>
+        <p:nvSpPr>
+          <p:cNvPr id="3" name="內容版面配置區 2"/>
+          <p:cNvSpPr>
+            <a:spLocks noGrp="1"/>
+          </p:cNvSpPr>
+          <p:nvPr>
+            <p:ph idx="1"/>
+          </p:nvPr>
+        </p:nvSpPr>
+        <p:spPr/>
+        <p:txBody>
+          <a:bodyPr/>
+          <a:lstStyle/>
+          <a:p>
+            <a:r>
+              <a:rPr lang="zh-TW" altLang="en-US" dirty="0" smtClean="0"/>
+              <a:t>引入</a:t>
+            </a:r>
+            <a:endParaRPr lang="en-US" altLang="zh-TW" dirty="0" smtClean="0"/>
+          </a:p>
+          <a:p>
+            <a:endParaRPr lang="zh-TW" altLang="en-US" dirty="0"/>
+          </a:p>
+        </p:txBody>
+      </p:sp>
+      <p:pic>
+        <p:nvPicPr>
+          <p:cNvPr id="4" name="圖片 3" descr="畫面剪輯"/>
+          <p:cNvPicPr>
+            <a:picLocks noChangeAspect="1"/>
+          </p:cNvPicPr>
+          <p:nvPr/>
+        </p:nvPicPr>
+        <p:blipFill>
+          <a:blip r:embed="rId2">
+            <a:extLst>
+              <a:ext uri="{28A0092B-C50C-407E-A947-70E740481C1C}">
+                <a14:useLocalDpi xmlns:a14="http://schemas.microsoft.com/office/drawing/2010/main" val="0"/>
+              </a:ext>
+            </a:extLst>
+          </a:blip>
+          <a:stretch>
+            <a:fillRect/>
+          </a:stretch>
+        </p:blipFill>
+        <p:spPr>
+          <a:xfrm>
+            <a:off x="2583062" y="1666876"/>
+            <a:ext cx="7487695" cy="2000529"/>
+          </a:xfrm>
+          <a:prstGeom prst="rect">
+            <a:avLst/>
+          </a:prstGeom>
+        </p:spPr>
+      </p:pic>
+    </p:spTree>
+    <p:extLst>
+      <p:ext uri="{BB962C8B-B14F-4D97-AF65-F5344CB8AC3E}">
+        <p14:creationId xmlns:p14="http://schemas.microsoft.com/office/powerpoint/2010/main" val="3130535086"/>
+      </p:ext>
+    </p:extLst>
+  </p:cSld>
+  <p:clrMapOvr>
+    <a:masterClrMapping/>
+  </p:clrMapOvr>
+  <mc:AlternateContent xmlns:mc="http://schemas.openxmlformats.org/markup-compatibility/2006" xmlns:p14="http://schemas.microsoft.com/office/powerpoint/2010/main">
+    <mc:Choice Requires="p14">
+      <p:transition spd="slow" p14:dur="1500">
+        <p:random/>
+      </p:transition>
+    </mc:Choice>
+    <mc:Fallback xmlns="">
+      <p:transition spd="slow">
+        <p:random/>
+      </p:transition>
+    </mc:Fallback>
+  </mc:AlternateContent>
+</p:sld>
+</file>
+
+<file path=ppt/slides/slide33.xml><?xml version="1.0" encoding="utf-8"?>
+<p:sld xmlns:a="http://schemas.openxmlformats.org/drawingml/2006/main" xmlns:r="http://schemas.openxmlformats.org/officeDocument/2006/relationships" xmlns:p="http://schemas.openxmlformats.org/presentationml/2006/main">
+  <p:cSld>
+    <p:spTree>
+      <p:nvGrpSpPr>
+        <p:cNvPr id="1" name=""/>
+        <p:cNvGrpSpPr/>
+        <p:nvPr/>
+      </p:nvGrpSpPr>
+      <p:grpSpPr>
+        <a:xfrm>
+          <a:off x="0" y="0"/>
+          <a:ext cx="0" cy="0"/>
+          <a:chOff x="0" y="0"/>
+          <a:chExt cx="0" cy="0"/>
+        </a:xfrm>
+      </p:grpSpPr>
+      <p:sp>
+        <p:nvSpPr>
+          <p:cNvPr id="2" name="標題 1"/>
+          <p:cNvSpPr>
+            <a:spLocks noGrp="1"/>
+          </p:cNvSpPr>
+          <p:nvPr>
+            <p:ph type="title"/>
+          </p:nvPr>
+        </p:nvSpPr>
+        <p:spPr/>
+        <p:txBody>
+          <a:bodyPr/>
+          <a:lstStyle/>
+          <a:p>
+            <a:r>
+              <a:rPr lang="en-US" altLang="zh-TW" dirty="0"/>
+              <a:t>Sweetalert2</a:t>
+            </a:r>
+            <a:r>
+              <a:rPr lang="zh-TW" altLang="en-US" dirty="0"/>
+              <a:t> 彈跳視窗函式庫</a:t>
+            </a:r>
+          </a:p>
+        </p:txBody>
+      </p:sp>
+      <p:sp>
+        <p:nvSpPr>
+          <p:cNvPr id="3" name="內容版面配置區 2"/>
+          <p:cNvSpPr>
+            <a:spLocks noGrp="1"/>
+          </p:cNvSpPr>
+          <p:nvPr>
+            <p:ph idx="1"/>
+          </p:nvPr>
+        </p:nvSpPr>
+        <p:spPr/>
+        <p:txBody>
+          <a:bodyPr/>
+          <a:lstStyle/>
+          <a:p>
+            <a:r>
+              <a:rPr lang="zh-TW" altLang="en-US" dirty="0"/>
+              <a:t>使用</a:t>
+            </a:r>
+            <a:endParaRPr lang="en-US" altLang="zh-TW" dirty="0"/>
+          </a:p>
+          <a:p>
+            <a:endParaRPr lang="zh-TW" altLang="en-US" dirty="0"/>
+          </a:p>
+        </p:txBody>
+      </p:sp>
+      <p:pic>
+        <p:nvPicPr>
+          <p:cNvPr id="4" name="圖片 3" descr="畫面剪輯"/>
+          <p:cNvPicPr>
+            <a:picLocks noChangeAspect="1"/>
+          </p:cNvPicPr>
+          <p:nvPr/>
+        </p:nvPicPr>
+        <p:blipFill>
+          <a:blip r:embed="rId2">
+            <a:extLst>
+              <a:ext uri="{28A0092B-C50C-407E-A947-70E740481C1C}">
+                <a14:useLocalDpi xmlns:a14="http://schemas.microsoft.com/office/drawing/2010/main" val="0"/>
+              </a:ext>
+            </a:extLst>
+          </a:blip>
+          <a:stretch>
+            <a:fillRect/>
+          </a:stretch>
+        </p:blipFill>
+        <p:spPr>
+          <a:xfrm>
+            <a:off x="3188695" y="1666876"/>
+            <a:ext cx="3841979" cy="1969015"/>
+          </a:xfrm>
+          <a:prstGeom prst="rect">
+            <a:avLst/>
+          </a:prstGeom>
+        </p:spPr>
+      </p:pic>
+    </p:spTree>
+    <p:extLst>
+      <p:ext uri="{BB962C8B-B14F-4D97-AF65-F5344CB8AC3E}">
+        <p14:creationId xmlns:p14="http://schemas.microsoft.com/office/powerpoint/2010/main" val="1977723937"/>
       </p:ext>
     </p:extLst>
   </p:cSld>
@@ -15952,11 +17051,7 @@
             </a:r>
             <a:r>
               <a:rPr lang="zh-TW" altLang="en-US" dirty="0" smtClean="0"/>
-              <a:t>別</a:t>
-            </a:r>
-            <a:r>
-              <a:rPr lang="zh-TW" altLang="en-US" dirty="0" smtClean="0"/>
-              <a:t> </a:t>
+              <a:t>別 </a:t>
             </a:r>
             <a:r>
               <a:rPr lang="en-US" altLang="zh-TW" dirty="0" smtClean="0"/>
@@ -15964,17 +17059,12 @@
             </a:r>
             <a:r>
               <a:rPr lang="zh-TW" altLang="en-US" dirty="0" smtClean="0"/>
-              <a:t> </a:t>
-            </a:r>
-            <a:r>
-              <a:rPr lang="zh-TW" altLang="en-US" dirty="0" smtClean="0"/>
-              <a:t>弱</a:t>
+              <a:t> 弱</a:t>
             </a:r>
             <a:r>
               <a:rPr lang="zh-TW" altLang="en-US" dirty="0"/>
               <a:t>型別</a:t>
             </a:r>
-            <a:endParaRPr lang="zh-TW" altLang="en-US" dirty="0"/>
           </a:p>
         </p:txBody>
       </p:sp>
